--- a/postfix/emailbestpractices.pptx
+++ b/postfix/emailbestpractices.pptx
@@ -5,15 +5,15 @@
     <p:sldMasterId id="2147483648" r:id="rId1"/>
   </p:sldMasterIdLst>
   <p:sldIdLst>
-    <p:sldId id="256" r:id="rId2"/>
-    <p:sldId id="257" r:id="rId3"/>
-    <p:sldId id="258" r:id="rId4"/>
-    <p:sldId id="259" r:id="rId5"/>
-    <p:sldId id="260" r:id="rId6"/>
-    <p:sldId id="261" r:id="rId7"/>
-    <p:sldId id="262" r:id="rId8"/>
-    <p:sldId id="263" r:id="rId9"/>
-    <p:sldId id="264" r:id="rId10"/>
+    <p:sldId id="257" r:id="rId2"/>
+    <p:sldId id="258" r:id="rId3"/>
+    <p:sldId id="259" r:id="rId4"/>
+    <p:sldId id="260" r:id="rId5"/>
+    <p:sldId id="261" r:id="rId6"/>
+    <p:sldId id="262" r:id="rId7"/>
+    <p:sldId id="263" r:id="rId8"/>
+    <p:sldId id="264" r:id="rId9"/>
+    <p:sldId id="275" r:id="rId10"/>
     <p:sldId id="265" r:id="rId11"/>
     <p:sldId id="266" r:id="rId12"/>
     <p:sldId id="267" r:id="rId13"/>
@@ -122,6 +122,11 @@
       </a:defRPr>
     </a:lvl9pPr>
   </p:defaultTextStyle>
+  <p:extLst>
+    <p:ext uri="{EFAFB233-063F-42B5-8137-9DF3F51BA10A}">
+      <p15:sldGuideLst xmlns:p15="http://schemas.microsoft.com/office/powerpoint/2012/main"/>
+    </p:ext>
+  </p:extLst>
 </p:presentation>
 </file>
 
@@ -167,10 +172,9 @@
           </a:lstStyle>
           <a:p>
             <a:r>
-              <a:rPr lang="en-US" smtClean="0"/>
+              <a:rPr lang="en-US"/>
               <a:t>Click to edit Master title style</a:t>
             </a:r>
-            <a:endParaRPr lang="en-US"/>
           </a:p>
         </p:txBody>
       </p:sp>
@@ -232,10 +236,9 @@
           </a:lstStyle>
           <a:p>
             <a:r>
-              <a:rPr lang="en-US" smtClean="0"/>
+              <a:rPr lang="en-US"/>
               <a:t>Click to edit Master subtitle style</a:t>
             </a:r>
-            <a:endParaRPr lang="en-US"/>
           </a:p>
         </p:txBody>
       </p:sp>
@@ -256,7 +259,7 @@
           <a:p>
             <a:fld id="{0FCFF65A-1B82-EC42-8471-385BCA80589D}" type="datetimeFigureOut">
               <a:rPr lang="en-US" smtClean="0"/>
-              <a:t>5/23/17</a:t>
+              <a:t>4/30/18</a:t>
             </a:fld>
             <a:endParaRPr lang="en-US"/>
           </a:p>
@@ -350,10 +353,9 @@
           <a:lstStyle/>
           <a:p>
             <a:r>
-              <a:rPr lang="en-US" smtClean="0"/>
+              <a:rPr lang="en-US"/>
               <a:t>Click to edit Master title style</a:t>
             </a:r>
-            <a:endParaRPr lang="en-US"/>
           </a:p>
         </p:txBody>
       </p:sp>
@@ -374,38 +376,37 @@
           <a:p>
             <a:pPr lvl="0"/>
             <a:r>
-              <a:rPr lang="en-US" smtClean="0"/>
+              <a:rPr lang="en-US"/>
               <a:t>Click to edit Master text styles</a:t>
             </a:r>
           </a:p>
           <a:p>
             <a:pPr lvl="1"/>
             <a:r>
-              <a:rPr lang="en-US" smtClean="0"/>
+              <a:rPr lang="en-US"/>
               <a:t>Second level</a:t>
             </a:r>
           </a:p>
           <a:p>
             <a:pPr lvl="2"/>
             <a:r>
-              <a:rPr lang="en-US" smtClean="0"/>
+              <a:rPr lang="en-US"/>
               <a:t>Third level</a:t>
             </a:r>
           </a:p>
           <a:p>
             <a:pPr lvl="3"/>
             <a:r>
-              <a:rPr lang="en-US" smtClean="0"/>
+              <a:rPr lang="en-US"/>
               <a:t>Fourth level</a:t>
             </a:r>
           </a:p>
           <a:p>
             <a:pPr lvl="4"/>
             <a:r>
-              <a:rPr lang="en-US" smtClean="0"/>
+              <a:rPr lang="en-US"/>
               <a:t>Fifth level</a:t>
             </a:r>
-            <a:endParaRPr lang="en-US"/>
           </a:p>
         </p:txBody>
       </p:sp>
@@ -426,7 +427,7 @@
           <a:p>
             <a:fld id="{0FCFF65A-1B82-EC42-8471-385BCA80589D}" type="datetimeFigureOut">
               <a:rPr lang="en-US" smtClean="0"/>
-              <a:t>5/23/17</a:t>
+              <a:t>4/30/18</a:t>
             </a:fld>
             <a:endParaRPr lang="en-US"/>
           </a:p>
@@ -525,10 +526,9 @@
           <a:lstStyle/>
           <a:p>
             <a:r>
-              <a:rPr lang="en-US" smtClean="0"/>
+              <a:rPr lang="en-US"/>
               <a:t>Click to edit Master title style</a:t>
             </a:r>
-            <a:endParaRPr lang="en-US"/>
           </a:p>
         </p:txBody>
       </p:sp>
@@ -554,38 +554,37 @@
           <a:p>
             <a:pPr lvl="0"/>
             <a:r>
-              <a:rPr lang="en-US" smtClean="0"/>
+              <a:rPr lang="en-US"/>
               <a:t>Click to edit Master text styles</a:t>
             </a:r>
           </a:p>
           <a:p>
             <a:pPr lvl="1"/>
             <a:r>
-              <a:rPr lang="en-US" smtClean="0"/>
+              <a:rPr lang="en-US"/>
               <a:t>Second level</a:t>
             </a:r>
           </a:p>
           <a:p>
             <a:pPr lvl="2"/>
             <a:r>
-              <a:rPr lang="en-US" smtClean="0"/>
+              <a:rPr lang="en-US"/>
               <a:t>Third level</a:t>
             </a:r>
           </a:p>
           <a:p>
             <a:pPr lvl="3"/>
             <a:r>
-              <a:rPr lang="en-US" smtClean="0"/>
+              <a:rPr lang="en-US"/>
               <a:t>Fourth level</a:t>
             </a:r>
           </a:p>
           <a:p>
             <a:pPr lvl="4"/>
             <a:r>
-              <a:rPr lang="en-US" smtClean="0"/>
+              <a:rPr lang="en-US"/>
               <a:t>Fifth level</a:t>
             </a:r>
-            <a:endParaRPr lang="en-US"/>
           </a:p>
         </p:txBody>
       </p:sp>
@@ -606,7 +605,7 @@
           <a:p>
             <a:fld id="{0FCFF65A-1B82-EC42-8471-385BCA80589D}" type="datetimeFigureOut">
               <a:rPr lang="en-US" smtClean="0"/>
-              <a:t>5/23/17</a:t>
+              <a:t>4/30/18</a:t>
             </a:fld>
             <a:endParaRPr lang="en-US"/>
           </a:p>
@@ -700,10 +699,9 @@
           <a:lstStyle/>
           <a:p>
             <a:r>
-              <a:rPr lang="en-US" smtClean="0"/>
+              <a:rPr lang="en-US"/>
               <a:t>Click to edit Master title style</a:t>
             </a:r>
-            <a:endParaRPr lang="en-US"/>
           </a:p>
         </p:txBody>
       </p:sp>
@@ -724,38 +722,37 @@
           <a:p>
             <a:pPr lvl="0"/>
             <a:r>
-              <a:rPr lang="en-US" smtClean="0"/>
+              <a:rPr lang="en-US"/>
               <a:t>Click to edit Master text styles</a:t>
             </a:r>
           </a:p>
           <a:p>
             <a:pPr lvl="1"/>
             <a:r>
-              <a:rPr lang="en-US" smtClean="0"/>
+              <a:rPr lang="en-US"/>
               <a:t>Second level</a:t>
             </a:r>
           </a:p>
           <a:p>
             <a:pPr lvl="2"/>
             <a:r>
-              <a:rPr lang="en-US" smtClean="0"/>
+              <a:rPr lang="en-US"/>
               <a:t>Third level</a:t>
             </a:r>
           </a:p>
           <a:p>
             <a:pPr lvl="3"/>
             <a:r>
-              <a:rPr lang="en-US" smtClean="0"/>
+              <a:rPr lang="en-US"/>
               <a:t>Fourth level</a:t>
             </a:r>
           </a:p>
           <a:p>
             <a:pPr lvl="4"/>
             <a:r>
-              <a:rPr lang="en-US" smtClean="0"/>
+              <a:rPr lang="en-US"/>
               <a:t>Fifth level</a:t>
             </a:r>
-            <a:endParaRPr lang="en-US"/>
           </a:p>
         </p:txBody>
       </p:sp>
@@ -776,7 +773,7 @@
           <a:p>
             <a:fld id="{0FCFF65A-1B82-EC42-8471-385BCA80589D}" type="datetimeFigureOut">
               <a:rPr lang="en-US" smtClean="0"/>
-              <a:t>5/23/17</a:t>
+              <a:t>4/30/18</a:t>
             </a:fld>
             <a:endParaRPr lang="en-US"/>
           </a:p>
@@ -879,10 +876,9 @@
           </a:lstStyle>
           <a:p>
             <a:r>
-              <a:rPr lang="en-US" smtClean="0"/>
+              <a:rPr lang="en-US"/>
               <a:t>Click to edit Master title style</a:t>
             </a:r>
-            <a:endParaRPr lang="en-US"/>
           </a:p>
         </p:txBody>
       </p:sp>
@@ -999,7 +995,7 @@
           <a:p>
             <a:pPr lvl="0"/>
             <a:r>
-              <a:rPr lang="en-US" smtClean="0"/>
+              <a:rPr lang="en-US"/>
               <a:t>Click to edit Master text styles</a:t>
             </a:r>
           </a:p>
@@ -1022,7 +1018,7 @@
           <a:p>
             <a:fld id="{0FCFF65A-1B82-EC42-8471-385BCA80589D}" type="datetimeFigureOut">
               <a:rPr lang="en-US" smtClean="0"/>
-              <a:t>5/23/17</a:t>
+              <a:t>4/30/18</a:t>
             </a:fld>
             <a:endParaRPr lang="en-US"/>
           </a:p>
@@ -1116,10 +1112,9 @@
           <a:lstStyle/>
           <a:p>
             <a:r>
-              <a:rPr lang="en-US" smtClean="0"/>
+              <a:rPr lang="en-US"/>
               <a:t>Click to edit Master title style</a:t>
             </a:r>
-            <a:endParaRPr lang="en-US"/>
           </a:p>
         </p:txBody>
       </p:sp>
@@ -1145,38 +1140,37 @@
           <a:p>
             <a:pPr lvl="0"/>
             <a:r>
-              <a:rPr lang="en-US" smtClean="0"/>
+              <a:rPr lang="en-US"/>
               <a:t>Click to edit Master text styles</a:t>
             </a:r>
           </a:p>
           <a:p>
             <a:pPr lvl="1"/>
             <a:r>
-              <a:rPr lang="en-US" smtClean="0"/>
+              <a:rPr lang="en-US"/>
               <a:t>Second level</a:t>
             </a:r>
           </a:p>
           <a:p>
             <a:pPr lvl="2"/>
             <a:r>
-              <a:rPr lang="en-US" smtClean="0"/>
+              <a:rPr lang="en-US"/>
               <a:t>Third level</a:t>
             </a:r>
           </a:p>
           <a:p>
             <a:pPr lvl="3"/>
             <a:r>
-              <a:rPr lang="en-US" smtClean="0"/>
+              <a:rPr lang="en-US"/>
               <a:t>Fourth level</a:t>
             </a:r>
           </a:p>
           <a:p>
             <a:pPr lvl="4"/>
             <a:r>
-              <a:rPr lang="en-US" smtClean="0"/>
+              <a:rPr lang="en-US"/>
               <a:t>Fifth level</a:t>
             </a:r>
-            <a:endParaRPr lang="en-US"/>
           </a:p>
         </p:txBody>
       </p:sp>
@@ -1202,38 +1196,37 @@
           <a:p>
             <a:pPr lvl="0"/>
             <a:r>
-              <a:rPr lang="en-US" smtClean="0"/>
+              <a:rPr lang="en-US"/>
               <a:t>Click to edit Master text styles</a:t>
             </a:r>
           </a:p>
           <a:p>
             <a:pPr lvl="1"/>
             <a:r>
-              <a:rPr lang="en-US" smtClean="0"/>
+              <a:rPr lang="en-US"/>
               <a:t>Second level</a:t>
             </a:r>
           </a:p>
           <a:p>
             <a:pPr lvl="2"/>
             <a:r>
-              <a:rPr lang="en-US" smtClean="0"/>
+              <a:rPr lang="en-US"/>
               <a:t>Third level</a:t>
             </a:r>
           </a:p>
           <a:p>
             <a:pPr lvl="3"/>
             <a:r>
-              <a:rPr lang="en-US" smtClean="0"/>
+              <a:rPr lang="en-US"/>
               <a:t>Fourth level</a:t>
             </a:r>
           </a:p>
           <a:p>
             <a:pPr lvl="4"/>
             <a:r>
-              <a:rPr lang="en-US" smtClean="0"/>
+              <a:rPr lang="en-US"/>
               <a:t>Fifth level</a:t>
             </a:r>
-            <a:endParaRPr lang="en-US"/>
           </a:p>
         </p:txBody>
       </p:sp>
@@ -1254,7 +1247,7 @@
           <a:p>
             <a:fld id="{0FCFF65A-1B82-EC42-8471-385BCA80589D}" type="datetimeFigureOut">
               <a:rPr lang="en-US" smtClean="0"/>
-              <a:t>5/23/17</a:t>
+              <a:t>4/30/18</a:t>
             </a:fld>
             <a:endParaRPr lang="en-US"/>
           </a:p>
@@ -1353,10 +1346,9 @@
           <a:lstStyle/>
           <a:p>
             <a:r>
-              <a:rPr lang="en-US" smtClean="0"/>
+              <a:rPr lang="en-US"/>
               <a:t>Click to edit Master title style</a:t>
             </a:r>
-            <a:endParaRPr lang="en-US"/>
           </a:p>
         </p:txBody>
       </p:sp>
@@ -1419,7 +1411,7 @@
           <a:p>
             <a:pPr lvl="0"/>
             <a:r>
-              <a:rPr lang="en-US" smtClean="0"/>
+              <a:rPr lang="en-US"/>
               <a:t>Click to edit Master text styles</a:t>
             </a:r>
           </a:p>
@@ -1447,38 +1439,37 @@
           <a:p>
             <a:pPr lvl="0"/>
             <a:r>
-              <a:rPr lang="en-US" smtClean="0"/>
+              <a:rPr lang="en-US"/>
               <a:t>Click to edit Master text styles</a:t>
             </a:r>
           </a:p>
           <a:p>
             <a:pPr lvl="1"/>
             <a:r>
-              <a:rPr lang="en-US" smtClean="0"/>
+              <a:rPr lang="en-US"/>
               <a:t>Second level</a:t>
             </a:r>
           </a:p>
           <a:p>
             <a:pPr lvl="2"/>
             <a:r>
-              <a:rPr lang="en-US" smtClean="0"/>
+              <a:rPr lang="en-US"/>
               <a:t>Third level</a:t>
             </a:r>
           </a:p>
           <a:p>
             <a:pPr lvl="3"/>
             <a:r>
-              <a:rPr lang="en-US" smtClean="0"/>
+              <a:rPr lang="en-US"/>
               <a:t>Fourth level</a:t>
             </a:r>
           </a:p>
           <a:p>
             <a:pPr lvl="4"/>
             <a:r>
-              <a:rPr lang="en-US" smtClean="0"/>
+              <a:rPr lang="en-US"/>
               <a:t>Fifth level</a:t>
             </a:r>
-            <a:endParaRPr lang="en-US"/>
           </a:p>
         </p:txBody>
       </p:sp>
@@ -1541,7 +1532,7 @@
           <a:p>
             <a:pPr lvl="0"/>
             <a:r>
-              <a:rPr lang="en-US" smtClean="0"/>
+              <a:rPr lang="en-US"/>
               <a:t>Click to edit Master text styles</a:t>
             </a:r>
           </a:p>
@@ -1569,38 +1560,37 @@
           <a:p>
             <a:pPr lvl="0"/>
             <a:r>
-              <a:rPr lang="en-US" smtClean="0"/>
+              <a:rPr lang="en-US"/>
               <a:t>Click to edit Master text styles</a:t>
             </a:r>
           </a:p>
           <a:p>
             <a:pPr lvl="1"/>
             <a:r>
-              <a:rPr lang="en-US" smtClean="0"/>
+              <a:rPr lang="en-US"/>
               <a:t>Second level</a:t>
             </a:r>
           </a:p>
           <a:p>
             <a:pPr lvl="2"/>
             <a:r>
-              <a:rPr lang="en-US" smtClean="0"/>
+              <a:rPr lang="en-US"/>
               <a:t>Third level</a:t>
             </a:r>
           </a:p>
           <a:p>
             <a:pPr lvl="3"/>
             <a:r>
-              <a:rPr lang="en-US" smtClean="0"/>
+              <a:rPr lang="en-US"/>
               <a:t>Fourth level</a:t>
             </a:r>
           </a:p>
           <a:p>
             <a:pPr lvl="4"/>
             <a:r>
-              <a:rPr lang="en-US" smtClean="0"/>
+              <a:rPr lang="en-US"/>
               <a:t>Fifth level</a:t>
             </a:r>
-            <a:endParaRPr lang="en-US"/>
           </a:p>
         </p:txBody>
       </p:sp>
@@ -1621,7 +1611,7 @@
           <a:p>
             <a:fld id="{0FCFF65A-1B82-EC42-8471-385BCA80589D}" type="datetimeFigureOut">
               <a:rPr lang="en-US" smtClean="0"/>
-              <a:t>5/23/17</a:t>
+              <a:t>4/30/18</a:t>
             </a:fld>
             <a:endParaRPr lang="en-US"/>
           </a:p>
@@ -1715,10 +1705,9 @@
           <a:lstStyle/>
           <a:p>
             <a:r>
-              <a:rPr lang="en-US" smtClean="0"/>
+              <a:rPr lang="en-US"/>
               <a:t>Click to edit Master title style</a:t>
             </a:r>
-            <a:endParaRPr lang="en-US"/>
           </a:p>
         </p:txBody>
       </p:sp>
@@ -1739,7 +1728,7 @@
           <a:p>
             <a:fld id="{0FCFF65A-1B82-EC42-8471-385BCA80589D}" type="datetimeFigureOut">
               <a:rPr lang="en-US" smtClean="0"/>
-              <a:t>5/23/17</a:t>
+              <a:t>4/30/18</a:t>
             </a:fld>
             <a:endParaRPr lang="en-US"/>
           </a:p>
@@ -1834,7 +1823,7 @@
           <a:p>
             <a:fld id="{0FCFF65A-1B82-EC42-8471-385BCA80589D}" type="datetimeFigureOut">
               <a:rPr lang="en-US" smtClean="0"/>
-              <a:t>5/23/17</a:t>
+              <a:t>4/30/18</a:t>
             </a:fld>
             <a:endParaRPr lang="en-US"/>
           </a:p>
@@ -1937,10 +1926,9 @@
           </a:lstStyle>
           <a:p>
             <a:r>
-              <a:rPr lang="en-US" smtClean="0"/>
+              <a:rPr lang="en-US"/>
               <a:t>Click to edit Master title style</a:t>
             </a:r>
-            <a:endParaRPr lang="en-US"/>
           </a:p>
         </p:txBody>
       </p:sp>
@@ -1994,38 +1982,37 @@
           <a:p>
             <a:pPr lvl="0"/>
             <a:r>
-              <a:rPr lang="en-US" smtClean="0"/>
+              <a:rPr lang="en-US"/>
               <a:t>Click to edit Master text styles</a:t>
             </a:r>
           </a:p>
           <a:p>
             <a:pPr lvl="1"/>
             <a:r>
-              <a:rPr lang="en-US" smtClean="0"/>
+              <a:rPr lang="en-US"/>
               <a:t>Second level</a:t>
             </a:r>
           </a:p>
           <a:p>
             <a:pPr lvl="2"/>
             <a:r>
-              <a:rPr lang="en-US" smtClean="0"/>
+              <a:rPr lang="en-US"/>
               <a:t>Third level</a:t>
             </a:r>
           </a:p>
           <a:p>
             <a:pPr lvl="3"/>
             <a:r>
-              <a:rPr lang="en-US" smtClean="0"/>
+              <a:rPr lang="en-US"/>
               <a:t>Fourth level</a:t>
             </a:r>
           </a:p>
           <a:p>
             <a:pPr lvl="4"/>
             <a:r>
-              <a:rPr lang="en-US" smtClean="0"/>
+              <a:rPr lang="en-US"/>
               <a:t>Fifth level</a:t>
             </a:r>
-            <a:endParaRPr lang="en-US"/>
           </a:p>
         </p:txBody>
       </p:sp>
@@ -2088,7 +2075,7 @@
           <a:p>
             <a:pPr lvl="0"/>
             <a:r>
-              <a:rPr lang="en-US" smtClean="0"/>
+              <a:rPr lang="en-US"/>
               <a:t>Click to edit Master text styles</a:t>
             </a:r>
           </a:p>
@@ -2111,7 +2098,7 @@
           <a:p>
             <a:fld id="{0FCFF65A-1B82-EC42-8471-385BCA80589D}" type="datetimeFigureOut">
               <a:rPr lang="en-US" smtClean="0"/>
-              <a:t>5/23/17</a:t>
+              <a:t>4/30/18</a:t>
             </a:fld>
             <a:endParaRPr lang="en-US"/>
           </a:p>
@@ -2214,10 +2201,9 @@
           </a:lstStyle>
           <a:p>
             <a:r>
-              <a:rPr lang="en-US" smtClean="0"/>
+              <a:rPr lang="en-US"/>
               <a:t>Click to edit Master title style</a:t>
             </a:r>
-            <a:endParaRPr lang="en-US"/>
           </a:p>
         </p:txBody>
       </p:sp>
@@ -2341,7 +2327,7 @@
           <a:p>
             <a:pPr lvl="0"/>
             <a:r>
-              <a:rPr lang="en-US" smtClean="0"/>
+              <a:rPr lang="en-US"/>
               <a:t>Click to edit Master text styles</a:t>
             </a:r>
           </a:p>
@@ -2364,7 +2350,7 @@
           <a:p>
             <a:fld id="{0FCFF65A-1B82-EC42-8471-385BCA80589D}" type="datetimeFigureOut">
               <a:rPr lang="en-US" smtClean="0"/>
-              <a:t>5/23/17</a:t>
+              <a:t>4/30/18</a:t>
             </a:fld>
             <a:endParaRPr lang="en-US"/>
           </a:p>
@@ -2473,10 +2459,9 @@
           <a:lstStyle/>
           <a:p>
             <a:r>
-              <a:rPr lang="en-US" smtClean="0"/>
+              <a:rPr lang="en-US"/>
               <a:t>Click to edit Master title style</a:t>
             </a:r>
-            <a:endParaRPr lang="en-US"/>
           </a:p>
         </p:txBody>
       </p:sp>
@@ -2507,38 +2492,37 @@
           <a:p>
             <a:pPr lvl="0"/>
             <a:r>
-              <a:rPr lang="en-US" smtClean="0"/>
+              <a:rPr lang="en-US"/>
               <a:t>Click to edit Master text styles</a:t>
             </a:r>
           </a:p>
           <a:p>
             <a:pPr lvl="1"/>
             <a:r>
-              <a:rPr lang="en-US" smtClean="0"/>
+              <a:rPr lang="en-US"/>
               <a:t>Second level</a:t>
             </a:r>
           </a:p>
           <a:p>
             <a:pPr lvl="2"/>
             <a:r>
-              <a:rPr lang="en-US" smtClean="0"/>
+              <a:rPr lang="en-US"/>
               <a:t>Third level</a:t>
             </a:r>
           </a:p>
           <a:p>
             <a:pPr lvl="3"/>
             <a:r>
-              <a:rPr lang="en-US" smtClean="0"/>
+              <a:rPr lang="en-US"/>
               <a:t>Fourth level</a:t>
             </a:r>
           </a:p>
           <a:p>
             <a:pPr lvl="4"/>
             <a:r>
-              <a:rPr lang="en-US" smtClean="0"/>
+              <a:rPr lang="en-US"/>
               <a:t>Fifth level</a:t>
             </a:r>
-            <a:endParaRPr lang="en-US"/>
           </a:p>
         </p:txBody>
       </p:sp>
@@ -2577,7 +2561,7 @@
           <a:p>
             <a:fld id="{0FCFF65A-1B82-EC42-8471-385BCA80589D}" type="datetimeFigureOut">
               <a:rPr lang="en-US" smtClean="0"/>
-              <a:t>5/23/17</a:t>
+              <a:t>4/30/18</a:t>
             </a:fld>
             <a:endParaRPr lang="en-US"/>
           </a:p>
@@ -2997,7 +2981,10 @@
           <a:bodyPr/>
           <a:lstStyle/>
           <a:p>
-            <a:endParaRPr lang="en-US"/>
+            <a:r>
+              <a:rPr lang="en-US" b="1" dirty="0"/>
+              <a:t>Email Best Practices</a:t>
+            </a:r>
           </a:p>
         </p:txBody>
       </p:sp>
@@ -3016,14 +3003,17 @@
           <a:bodyPr/>
           <a:lstStyle/>
           <a:p>
-            <a:endParaRPr lang="en-US"/>
+            <a:r>
+              <a:rPr lang="en-US" dirty="0"/>
+              <a:t>Kevin Chege</a:t>
+            </a:r>
           </a:p>
         </p:txBody>
       </p:sp>
     </p:spTree>
     <p:extLst>
       <p:ext uri="{BB962C8B-B14F-4D97-AF65-F5344CB8AC3E}">
-        <p14:creationId xmlns:p14="http://schemas.microsoft.com/office/powerpoint/2010/main" val="1706707957"/>
+        <p14:creationId xmlns:p14="http://schemas.microsoft.com/office/powerpoint/2010/main" val="1439076210"/>
       </p:ext>
     </p:extLst>
   </p:cSld>
@@ -3066,10 +3056,9 @@
           <a:lstStyle/>
           <a:p>
             <a:r>
-              <a:rPr lang="en-US" b="1" dirty="0" smtClean="0"/>
+              <a:rPr lang="en-US" b="1" dirty="0"/>
               <a:t>Reverse Records</a:t>
             </a:r>
-            <a:endParaRPr lang="en-US" b="1" dirty="0"/>
           </a:p>
         </p:txBody>
       </p:sp>
@@ -3091,86 +3080,86 @@
           <a:lstStyle/>
           <a:p>
             <a:r>
-              <a:rPr lang="en-US" dirty="0" smtClean="0"/>
+              <a:rPr lang="en-US" dirty="0"/>
               <a:t>Have reverse records (PTR) for your mail server so that it is </a:t>
             </a:r>
             <a:r>
-              <a:rPr lang="en-US" dirty="0" err="1" smtClean="0"/>
+              <a:rPr lang="en-US" dirty="0" err="1"/>
               <a:t>resolveable</a:t>
             </a:r>
             <a:r>
-              <a:rPr lang="en-US" dirty="0" smtClean="0"/>
+              <a:rPr lang="en-US" dirty="0"/>
               <a:t> from the IP</a:t>
             </a:r>
           </a:p>
           <a:p>
             <a:r>
-              <a:rPr lang="en-US" dirty="0" smtClean="0"/>
+              <a:rPr lang="en-US" dirty="0"/>
               <a:t>Mandatory by most servers these days</a:t>
             </a:r>
           </a:p>
           <a:p>
             <a:r>
-              <a:rPr lang="en-US" dirty="0" smtClean="0"/>
+              <a:rPr lang="en-US" dirty="0"/>
               <a:t>Used to verify authenticity of the sending mail server</a:t>
             </a:r>
           </a:p>
           <a:p>
             <a:r>
-              <a:rPr lang="en-US" dirty="0" smtClean="0"/>
+              <a:rPr lang="en-US" dirty="0"/>
               <a:t>The IP Address must resolve back to the mail server name</a:t>
             </a:r>
           </a:p>
           <a:p>
             <a:r>
-              <a:rPr lang="en-US" dirty="0" smtClean="0"/>
+              <a:rPr lang="en-US" dirty="0"/>
               <a:t>You can have multiple reverse records</a:t>
             </a:r>
           </a:p>
           <a:p>
             <a:r>
-              <a:rPr lang="en-US" dirty="0" smtClean="0"/>
+              <a:rPr lang="en-US" dirty="0"/>
               <a:t>You can have an SPF record that states that any IP that has a reverse record can send email from your domain</a:t>
             </a:r>
           </a:p>
           <a:p>
             <a:r>
-              <a:rPr lang="en-US" i="1" dirty="0" smtClean="0"/>
+              <a:rPr lang="en-US" i="1" dirty="0"/>
               <a:t>IN TXT “</a:t>
             </a:r>
             <a:r>
-              <a:rPr lang="en-US" i="1" dirty="0" err="1" smtClean="0"/>
+              <a:rPr lang="en-US" i="1" dirty="0" err="1"/>
               <a:t>v</a:t>
             </a:r>
             <a:r>
-              <a:rPr lang="en-US" i="1" dirty="0" smtClean="0"/>
+              <a:rPr lang="en-US" i="1" dirty="0"/>
               <a:t>=spf1 </a:t>
             </a:r>
             <a:r>
-              <a:rPr lang="en-US" i="1" dirty="0" err="1" smtClean="0"/>
+              <a:rPr lang="en-US" i="1" dirty="0" err="1"/>
               <a:t>ptr:domain.co.tz</a:t>
             </a:r>
             <a:r>
-              <a:rPr lang="en-US" i="1" dirty="0" smtClean="0"/>
+              <a:rPr lang="en-US" i="1" dirty="0"/>
               <a:t> ip4:1.2.3.4 </a:t>
             </a:r>
             <a:r>
-              <a:rPr lang="en-US" i="1" dirty="0" err="1" smtClean="0"/>
+              <a:rPr lang="en-US" i="1" dirty="0" err="1"/>
               <a:t>mx</a:t>
             </a:r>
             <a:r>
-              <a:rPr lang="en-US" i="1" dirty="0" smtClean="0"/>
+              <a:rPr lang="en-US" i="1" dirty="0"/>
               <a:t> -all”</a:t>
             </a:r>
           </a:p>
           <a:p>
-            <a:endParaRPr lang="en-US" dirty="0" smtClean="0"/>
-          </a:p>
-          <a:p>
-            <a:endParaRPr lang="en-US" dirty="0" smtClean="0"/>
-          </a:p>
-          <a:p>
-            <a:endParaRPr lang="en-US" dirty="0" smtClean="0"/>
+            <a:endParaRPr lang="en-US" dirty="0"/>
+          </a:p>
+          <a:p>
+            <a:endParaRPr lang="en-US" dirty="0"/>
+          </a:p>
+          <a:p>
+            <a:endParaRPr lang="en-US" dirty="0"/>
           </a:p>
           <a:p>
             <a:endParaRPr lang="en-US" dirty="0"/>
@@ -3187,13 +3176,6 @@
   <p:clrMapOvr>
     <a:masterClrMapping/>
   </p:clrMapOvr>
-  <p:timing>
-    <p:tnLst>
-      <p:par>
-        <p:cTn id="1" dur="indefinite" restart="never" nodeType="tmRoot"/>
-      </p:par>
-    </p:tnLst>
-  </p:timing>
 </p:sld>
 </file>
 
@@ -3235,7 +3217,6 @@
               <a:rPr lang="en-US" sz="3600" b="1" dirty="0"/>
               <a:t>Use Anti Spam and Anti Virus software</a:t>
             </a:r>
-            <a:endParaRPr lang="en-US" sz="3600" b="1" dirty="0"/>
           </a:p>
         </p:txBody>
       </p:sp>
@@ -3257,94 +3238,90 @@
           <a:lstStyle/>
           <a:p>
             <a:r>
-              <a:rPr lang="en-US" dirty="0" smtClean="0"/>
+              <a:rPr lang="en-US" dirty="0"/>
               <a:t>Will reduce overall spam and email received</a:t>
             </a:r>
           </a:p>
           <a:p>
             <a:r>
-              <a:rPr lang="en-US" dirty="0" smtClean="0"/>
+              <a:rPr lang="en-US" dirty="0"/>
               <a:t>You can also have a mail “firewall” or gateway aka Mail Filter to stop spam before it reaches your server</a:t>
             </a:r>
           </a:p>
           <a:p>
             <a:r>
-              <a:rPr lang="en-US" dirty="0" smtClean="0"/>
+              <a:rPr lang="en-US" dirty="0"/>
               <a:t>Some </a:t>
             </a:r>
             <a:r>
-              <a:rPr lang="en-US" dirty="0" err="1" smtClean="0"/>
+              <a:rPr lang="en-US" dirty="0" err="1"/>
               <a:t>softwares</a:t>
             </a:r>
             <a:r>
-              <a:rPr lang="en-US" dirty="0" smtClean="0"/>
+              <a:rPr lang="en-US" dirty="0"/>
               <a:t> are:</a:t>
             </a:r>
           </a:p>
           <a:p>
             <a:pPr lvl="1"/>
             <a:r>
-              <a:rPr lang="en-US" dirty="0" err="1" smtClean="0"/>
+              <a:rPr lang="en-US" dirty="0" err="1"/>
               <a:t>SpamAssassin</a:t>
             </a:r>
             <a:r>
-              <a:rPr lang="en-US" dirty="0" smtClean="0"/>
+              <a:rPr lang="en-US" dirty="0"/>
               <a:t> (</a:t>
             </a:r>
             <a:r>
-              <a:rPr lang="en-US" dirty="0" err="1" smtClean="0"/>
+              <a:rPr lang="en-US" dirty="0" err="1"/>
               <a:t>AntiSpam</a:t>
             </a:r>
             <a:r>
               <a:rPr lang="en-US" dirty="0"/>
-              <a:t>) </a:t>
-            </a:r>
-            <a:r>
-              <a:rPr lang="en-US" dirty="0" smtClean="0"/>
-              <a:t>– renowned antivirus</a:t>
+              <a:t>) – renowned antivirus</a:t>
             </a:r>
           </a:p>
           <a:p>
             <a:pPr lvl="1"/>
             <a:r>
-              <a:rPr lang="en-US" dirty="0" err="1" smtClean="0"/>
+              <a:rPr lang="en-US" dirty="0" err="1"/>
               <a:t>ClamAV</a:t>
             </a:r>
             <a:r>
-              <a:rPr lang="en-US" dirty="0" smtClean="0"/>
+              <a:rPr lang="en-US" dirty="0"/>
               <a:t> (</a:t>
             </a:r>
             <a:r>
-              <a:rPr lang="en-US" dirty="0" err="1" smtClean="0"/>
+              <a:rPr lang="en-US" dirty="0" err="1"/>
               <a:t>AntiVirus</a:t>
             </a:r>
             <a:r>
-              <a:rPr lang="en-US" dirty="0" smtClean="0"/>
+              <a:rPr lang="en-US" dirty="0"/>
               <a:t>) – renowned antivirus</a:t>
             </a:r>
           </a:p>
           <a:p>
             <a:pPr lvl="1"/>
             <a:r>
-              <a:rPr lang="en-US" dirty="0" err="1" smtClean="0"/>
+              <a:rPr lang="en-US" dirty="0" err="1"/>
               <a:t>MailScanner</a:t>
             </a:r>
             <a:r>
-              <a:rPr lang="en-US" dirty="0" smtClean="0"/>
+              <a:rPr lang="en-US" dirty="0"/>
               <a:t> and </a:t>
             </a:r>
             <a:r>
-              <a:rPr lang="en-US" dirty="0" err="1" smtClean="0"/>
+              <a:rPr lang="en-US" dirty="0" err="1"/>
               <a:t>Amavisd</a:t>
             </a:r>
             <a:r>
-              <a:rPr lang="en-US" dirty="0" smtClean="0"/>
+              <a:rPr lang="en-US" dirty="0"/>
               <a:t> (rely on the above)</a:t>
             </a:r>
           </a:p>
           <a:p>
             <a:r>
-              <a:rPr lang="en-US" dirty="0" smtClean="0"/>
+              <a:rPr lang="en-US" dirty="0"/>
               <a:t>When setup try a penetration testing site to see how well your server can protect you from SPAM and Viruses</a:t>
             </a:r>
           </a:p>
@@ -3360,13 +3337,6 @@
   <p:clrMapOvr>
     <a:masterClrMapping/>
   </p:clrMapOvr>
-  <p:timing>
-    <p:tnLst>
-      <p:par>
-        <p:cTn id="1" dur="indefinite" restart="never" nodeType="tmRoot"/>
-      </p:par>
-    </p:tnLst>
-  </p:timing>
 </p:sld>
 </file>
 
@@ -3403,7 +3373,7 @@
           <a:lstStyle/>
           <a:p>
             <a:r>
-              <a:rPr lang="en-US" b="1" dirty="0" err="1" smtClean="0"/>
+              <a:rPr lang="en-US" b="1" dirty="0" err="1"/>
               <a:t>GreyListing</a:t>
             </a:r>
             <a:endParaRPr lang="en-US" b="1" dirty="0"/>
@@ -3428,35 +3398,35 @@
           <a:lstStyle/>
           <a:p>
             <a:r>
-              <a:rPr lang="en-US" dirty="0" smtClean="0"/>
+              <a:rPr lang="en-US" dirty="0"/>
               <a:t>Valid mail servers will have no problem if the receiving gives a soft error (4xx)</a:t>
             </a:r>
           </a:p>
           <a:p>
             <a:r>
-              <a:rPr lang="en-US" dirty="0" smtClean="0"/>
+              <a:rPr lang="en-US" dirty="0"/>
               <a:t>They will attempt to send the mail again after some time</a:t>
             </a:r>
           </a:p>
           <a:p>
             <a:r>
-              <a:rPr lang="en-US" dirty="0" err="1" smtClean="0"/>
+              <a:rPr lang="en-US" dirty="0" err="1"/>
               <a:t>Greylisting</a:t>
             </a:r>
             <a:r>
-              <a:rPr lang="en-US" dirty="0" smtClean="0"/>
+              <a:rPr lang="en-US" dirty="0"/>
               <a:t> configured on a receiving mail server will give a soft error (4xx) to the sending server and store the IP/Hostname of the sending server in a file</a:t>
             </a:r>
           </a:p>
           <a:p>
             <a:r>
-              <a:rPr lang="en-US" dirty="0" smtClean="0"/>
+              <a:rPr lang="en-US" dirty="0"/>
               <a:t>If the sending server returns again after some time (can be specified usually 5min) the email is accepted</a:t>
             </a:r>
           </a:p>
           <a:p>
             <a:r>
-              <a:rPr lang="en-US" dirty="0" smtClean="0"/>
+              <a:rPr lang="en-US" dirty="0"/>
               <a:t>Used as a measure to deny mail from bots that are compromised to send mass mail. They often do not try again if the server did not accept the mail</a:t>
             </a:r>
           </a:p>
@@ -3475,13 +3445,6 @@
   <p:clrMapOvr>
     <a:masterClrMapping/>
   </p:clrMapOvr>
-  <p:timing>
-    <p:tnLst>
-      <p:par>
-        <p:cTn id="1" dur="indefinite" restart="never" nodeType="tmRoot"/>
-      </p:par>
-    </p:tnLst>
-  </p:timing>
 </p:sld>
 </file>
 
@@ -3520,10 +3483,9 @@
           <a:lstStyle/>
           <a:p>
             <a:r>
-              <a:rPr lang="en-US" b="1" dirty="0" smtClean="0"/>
+              <a:rPr lang="en-US" b="1" dirty="0"/>
               <a:t>Accept only well formatted messages</a:t>
             </a:r>
-            <a:endParaRPr lang="en-US" b="1" dirty="0"/>
           </a:p>
         </p:txBody>
       </p:sp>
@@ -3545,91 +3507,87 @@
           <a:lstStyle/>
           <a:p>
             <a:r>
-              <a:rPr lang="en-US" dirty="0" smtClean="0"/>
+              <a:rPr lang="en-US" dirty="0"/>
               <a:t>Sender must be a valid name not an IP </a:t>
             </a:r>
             <a:r>
-              <a:rPr lang="en-US" dirty="0" err="1" smtClean="0"/>
+              <a:rPr lang="en-US" dirty="0" err="1"/>
               <a:t>ie</a:t>
             </a:r>
             <a:r>
-              <a:rPr lang="en-US" dirty="0" smtClean="0"/>
+              <a:rPr lang="en-US" dirty="0"/>
               <a:t> not </a:t>
             </a:r>
             <a:r>
-              <a:rPr lang="en-US" dirty="0" smtClean="0">
+              <a:rPr lang="en-US" dirty="0">
                 <a:hlinkClick r:id="rId2"/>
               </a:rPr>
               <a:t>user@192.14.5.6</a:t>
             </a:r>
             <a:r>
-              <a:rPr lang="en-US" dirty="0" smtClean="0"/>
+              <a:rPr lang="en-US" dirty="0"/>
               <a:t> </a:t>
             </a:r>
           </a:p>
           <a:p>
             <a:r>
-              <a:rPr lang="en-US" dirty="0" smtClean="0"/>
+              <a:rPr lang="en-US" dirty="0"/>
               <a:t>Mail server HELO name must be resolvable </a:t>
             </a:r>
             <a:r>
-              <a:rPr lang="en-US" dirty="0" err="1" smtClean="0"/>
+              <a:rPr lang="en-US" dirty="0" err="1"/>
               <a:t>ie</a:t>
             </a:r>
             <a:r>
-              <a:rPr lang="en-US" dirty="0" smtClean="0"/>
+              <a:rPr lang="en-US" dirty="0"/>
               <a:t> FQDN</a:t>
             </a:r>
           </a:p>
           <a:p>
             <a:r>
-              <a:rPr lang="en-US" dirty="0" smtClean="0"/>
+              <a:rPr lang="en-US" dirty="0"/>
               <a:t>Server identification must resolve </a:t>
             </a:r>
             <a:r>
-              <a:rPr lang="en-US" dirty="0" err="1" smtClean="0"/>
+              <a:rPr lang="en-US" dirty="0" err="1"/>
               <a:t>ie</a:t>
             </a:r>
             <a:r>
-              <a:rPr lang="en-US" dirty="0" smtClean="0"/>
+              <a:rPr lang="en-US" dirty="0"/>
               <a:t> HELO/EHLO name must be </a:t>
             </a:r>
             <a:r>
-              <a:rPr lang="en-US" dirty="0" err="1" smtClean="0"/>
+              <a:rPr lang="en-US" dirty="0" err="1"/>
               <a:t>resolveable</a:t>
             </a:r>
-            <a:endParaRPr lang="en-US" dirty="0" smtClean="0"/>
-          </a:p>
-          <a:p>
-            <a:r>
-              <a:rPr lang="en-US" dirty="0" smtClean="0"/>
+            <a:endParaRPr lang="en-US" dirty="0"/>
+          </a:p>
+          <a:p>
+            <a:r>
+              <a:rPr lang="en-US" dirty="0"/>
               <a:t>Email should be from a valid email address format </a:t>
             </a:r>
             <a:r>
-              <a:rPr lang="en-US" dirty="0" err="1" smtClean="0"/>
+              <a:rPr lang="en-US" dirty="0" err="1"/>
               <a:t>eg</a:t>
             </a:r>
             <a:r>
-              <a:rPr lang="en-US" dirty="0" smtClean="0"/>
+              <a:rPr lang="en-US" dirty="0"/>
               <a:t>: from </a:t>
             </a:r>
             <a:r>
-              <a:rPr lang="en-US" dirty="0" smtClean="0">
+              <a:rPr lang="en-US" dirty="0">
                 <a:hlinkClick r:id="rId3"/>
               </a:rPr>
               <a:t>tom@example.com</a:t>
             </a:r>
             <a:r>
-              <a:rPr lang="en-US" dirty="0" smtClean="0"/>
+              <a:rPr lang="en-US" dirty="0"/>
               <a:t> and not from </a:t>
             </a:r>
             <a:r>
-              <a:rPr lang="en-US" dirty="0" err="1" smtClean="0"/>
-              <a:t>tom@exampl</a:t>
-            </a:r>
-            <a:r>
               <a:rPr lang="en-US" dirty="0" err="1"/>
-              <a:t>e</a:t>
+              <a:t>tom@example</a:t>
             </a:r>
             <a:endParaRPr lang="en-US" dirty="0"/>
           </a:p>
@@ -3645,13 +3603,6 @@
   <p:clrMapOvr>
     <a:masterClrMapping/>
   </p:clrMapOvr>
-  <p:timing>
-    <p:tnLst>
-      <p:par>
-        <p:cTn id="1" dur="indefinite" restart="never" nodeType="tmRoot"/>
-      </p:par>
-    </p:tnLst>
-  </p:timing>
 </p:sld>
 </file>
 
@@ -3688,10 +3639,9 @@
           <a:lstStyle/>
           <a:p>
             <a:r>
-              <a:rPr lang="en-US" b="1" dirty="0" smtClean="0"/>
+              <a:rPr lang="en-US" b="1" dirty="0"/>
               <a:t>Security</a:t>
             </a:r>
-            <a:endParaRPr lang="en-US" b="1" dirty="0"/>
           </a:p>
         </p:txBody>
       </p:sp>
@@ -3713,61 +3663,61 @@
           <a:lstStyle/>
           <a:p>
             <a:r>
-              <a:rPr lang="en-US" dirty="0" smtClean="0"/>
+              <a:rPr lang="en-US" dirty="0"/>
               <a:t>Run secure pages from the mail server and secure SMTP to clients</a:t>
             </a:r>
           </a:p>
           <a:p>
             <a:pPr lvl="1"/>
             <a:r>
-              <a:rPr lang="en-US" dirty="0" smtClean="0"/>
+              <a:rPr lang="en-US" dirty="0"/>
               <a:t>Secure Webmail – port 443</a:t>
             </a:r>
           </a:p>
           <a:p>
             <a:pPr lvl="1"/>
             <a:r>
-              <a:rPr lang="en-US" dirty="0" smtClean="0"/>
+              <a:rPr lang="en-US" dirty="0"/>
               <a:t>Secure SMTP – port 465/587</a:t>
             </a:r>
           </a:p>
           <a:p>
             <a:r>
-              <a:rPr lang="en-US" dirty="0" smtClean="0"/>
+              <a:rPr lang="en-US" dirty="0"/>
               <a:t>Force clients to use secure IMAP or Secure POP</a:t>
             </a:r>
           </a:p>
           <a:p>
             <a:pPr lvl="1"/>
             <a:r>
-              <a:rPr lang="en-US" dirty="0" smtClean="0"/>
+              <a:rPr lang="en-US" dirty="0"/>
               <a:t>Secure POP – port 995</a:t>
             </a:r>
           </a:p>
           <a:p>
             <a:pPr lvl="1"/>
             <a:r>
-              <a:rPr lang="en-US" dirty="0" smtClean="0"/>
+              <a:rPr lang="en-US" dirty="0"/>
               <a:t>Secure IMAP – port 993</a:t>
             </a:r>
           </a:p>
           <a:p>
             <a:r>
-              <a:rPr lang="en-US" dirty="0" smtClean="0"/>
+              <a:rPr lang="en-US" dirty="0"/>
               <a:t>Require authentication on your mail server before a mail enters the queue from a sending client aka SMTP AUTH</a:t>
             </a:r>
           </a:p>
           <a:p>
             <a:r>
-              <a:rPr lang="en-US" dirty="0" smtClean="0"/>
+              <a:rPr lang="en-US" dirty="0"/>
               <a:t>Lock down your box and block </a:t>
             </a:r>
             <a:r>
-              <a:rPr lang="en-US" smtClean="0"/>
+              <a:rPr lang="en-US"/>
               <a:t>all unnecessary </a:t>
             </a:r>
             <a:r>
-              <a:rPr lang="en-US" dirty="0" smtClean="0"/>
+              <a:rPr lang="en-US" dirty="0"/>
               <a:t>ports </a:t>
             </a:r>
           </a:p>
@@ -3783,13 +3733,6 @@
   <p:clrMapOvr>
     <a:masterClrMapping/>
   </p:clrMapOvr>
-  <p:timing>
-    <p:tnLst>
-      <p:par>
-        <p:cTn id="1" dur="indefinite" restart="never" nodeType="tmRoot"/>
-      </p:par>
-    </p:tnLst>
-  </p:timing>
 </p:sld>
 </file>
 
@@ -3826,10 +3769,9 @@
           <a:lstStyle/>
           <a:p>
             <a:r>
-              <a:rPr lang="en-US" b="1" dirty="0" smtClean="0"/>
+              <a:rPr lang="en-US" b="1" dirty="0"/>
               <a:t>Use Blacklist databases</a:t>
             </a:r>
-            <a:endParaRPr lang="en-US" b="1" dirty="0"/>
           </a:p>
         </p:txBody>
       </p:sp>
@@ -3849,94 +3791,93 @@
           <a:lstStyle/>
           <a:p>
             <a:r>
-              <a:rPr lang="en-US" dirty="0" smtClean="0"/>
+              <a:rPr lang="en-US" dirty="0"/>
               <a:t>Use DNSBL – DNS Based </a:t>
             </a:r>
             <a:r>
-              <a:rPr lang="en-US" dirty="0" err="1" smtClean="0"/>
+              <a:rPr lang="en-US" dirty="0" err="1"/>
               <a:t>Blackhole</a:t>
             </a:r>
             <a:r>
-              <a:rPr lang="en-US" dirty="0" smtClean="0"/>
+              <a:rPr lang="en-US" dirty="0"/>
               <a:t> Lists or RBL (Real Time </a:t>
             </a:r>
             <a:r>
-              <a:rPr lang="en-US" dirty="0" err="1" smtClean="0"/>
+              <a:rPr lang="en-US" dirty="0" err="1"/>
               <a:t>Blackhole</a:t>
             </a:r>
             <a:r>
-              <a:rPr lang="en-US" dirty="0" smtClean="0"/>
+              <a:rPr lang="en-US" dirty="0"/>
               <a:t> lists) to deny mail from well known spamming machines</a:t>
             </a:r>
           </a:p>
           <a:p>
             <a:r>
-              <a:rPr lang="en-US" dirty="0" smtClean="0"/>
+              <a:rPr lang="en-US" dirty="0"/>
               <a:t>Some well known good ones are</a:t>
             </a:r>
           </a:p>
           <a:p>
             <a:pPr lvl="1"/>
             <a:r>
-              <a:rPr lang="en-US" dirty="0" smtClean="0"/>
+              <a:rPr lang="en-US" dirty="0"/>
               <a:t>SORBS – </a:t>
             </a:r>
             <a:r>
-              <a:rPr lang="en-US" dirty="0" smtClean="0">
+              <a:rPr lang="en-US" dirty="0">
                 <a:hlinkClick r:id="rId2"/>
               </a:rPr>
               <a:t>http://sorbs.net</a:t>
             </a:r>
-            <a:endParaRPr lang="en-US" dirty="0" smtClean="0"/>
+            <a:endParaRPr lang="en-US" dirty="0"/>
           </a:p>
           <a:p>
             <a:pPr lvl="1"/>
             <a:r>
-              <a:rPr lang="en-US" dirty="0" smtClean="0"/>
+              <a:rPr lang="en-US" dirty="0"/>
               <a:t>SPAMHAUS – </a:t>
             </a:r>
             <a:r>
-              <a:rPr lang="en-US" dirty="0" smtClean="0">
+              <a:rPr lang="en-US" dirty="0">
                 <a:hlinkClick r:id="rId3"/>
               </a:rPr>
               <a:t>http://spamhaus.org</a:t>
             </a:r>
-            <a:endParaRPr lang="en-US" dirty="0" smtClean="0"/>
+            <a:endParaRPr lang="en-US" dirty="0"/>
           </a:p>
           <a:p>
             <a:pPr lvl="1"/>
             <a:r>
-              <a:rPr lang="en-US" dirty="0" smtClean="0"/>
+              <a:rPr lang="en-US" dirty="0"/>
               <a:t>SPAMCOP – </a:t>
             </a:r>
             <a:r>
-              <a:rPr lang="en-US" dirty="0" smtClean="0">
+              <a:rPr lang="en-US" dirty="0">
                 <a:hlinkClick r:id="rId4"/>
               </a:rPr>
               <a:t>http://spamcop.net</a:t>
             </a:r>
             <a:r>
-              <a:rPr lang="en-US" dirty="0" smtClean="0"/>
+              <a:rPr lang="en-US" dirty="0"/>
               <a:t> </a:t>
             </a:r>
           </a:p>
           <a:p>
             <a:pPr lvl="1"/>
             <a:r>
-              <a:rPr lang="en-US" dirty="0" smtClean="0"/>
+              <a:rPr lang="en-US" dirty="0"/>
               <a:t>MANITU – </a:t>
             </a:r>
             <a:r>
-              <a:rPr lang="en-US" dirty="0" smtClean="0">
+              <a:rPr lang="en-US" dirty="0">
                 <a:hlinkClick r:id="rId5"/>
               </a:rPr>
               <a:t>http://manitu.net</a:t>
             </a:r>
             <a:r>
-              <a:rPr lang="en-US" dirty="0" smtClean="0"/>
+              <a:rPr lang="en-US" dirty="0"/>
               <a:t> </a:t>
             </a:r>
-            <a:endParaRPr lang="en-US" dirty="0"/>
           </a:p>
         </p:txBody>
       </p:sp>
@@ -3950,13 +3891,6 @@
   <p:clrMapOvr>
     <a:masterClrMapping/>
   </p:clrMapOvr>
-  <p:timing>
-    <p:tnLst>
-      <p:par>
-        <p:cTn id="1" dur="indefinite" restart="never" nodeType="tmRoot"/>
-      </p:par>
-    </p:tnLst>
-  </p:timing>
 </p:sld>
 </file>
 
@@ -3993,10 +3927,9 @@
           <a:lstStyle/>
           <a:p>
             <a:r>
-              <a:rPr lang="en-US" b="1" dirty="0" smtClean="0"/>
+              <a:rPr lang="en-US" b="1" dirty="0"/>
               <a:t>Require strong Passwords</a:t>
             </a:r>
-            <a:endParaRPr lang="en-US" b="1" dirty="0"/>
           </a:p>
         </p:txBody>
       </p:sp>
@@ -4016,30 +3949,29 @@
           <a:lstStyle/>
           <a:p>
             <a:r>
-              <a:rPr lang="en-US" dirty="0" smtClean="0"/>
+              <a:rPr lang="en-US" dirty="0"/>
               <a:t>Advise users to use strong passwords or passphrases for their email</a:t>
             </a:r>
           </a:p>
           <a:p>
             <a:r>
-              <a:rPr lang="en-US" dirty="0" smtClean="0"/>
+              <a:rPr lang="en-US" dirty="0"/>
               <a:t>Alphanumeric passwords are better than normal passwords </a:t>
             </a:r>
             <a:r>
-              <a:rPr lang="en-US" dirty="0" err="1" smtClean="0"/>
+              <a:rPr lang="en-US" dirty="0" err="1"/>
               <a:t>ie</a:t>
             </a:r>
             <a:r>
-              <a:rPr lang="en-US" dirty="0" smtClean="0"/>
+              <a:rPr lang="en-US" dirty="0"/>
               <a:t> combine letters with numbers</a:t>
             </a:r>
           </a:p>
           <a:p>
             <a:r>
-              <a:rPr lang="en-US" dirty="0" smtClean="0"/>
+              <a:rPr lang="en-US" dirty="0"/>
               <a:t>Passphrases are even better, more difficult to break </a:t>
             </a:r>
-            <a:endParaRPr lang="en-US" dirty="0"/>
           </a:p>
         </p:txBody>
       </p:sp>
@@ -4053,13 +3985,6 @@
   <p:clrMapOvr>
     <a:masterClrMapping/>
   </p:clrMapOvr>
-  <p:timing>
-    <p:tnLst>
-      <p:par>
-        <p:cTn id="1" dur="indefinite" restart="never" nodeType="tmRoot"/>
-      </p:par>
-    </p:tnLst>
-  </p:timing>
 </p:sld>
 </file>
 
@@ -4096,10 +4021,9 @@
           <a:lstStyle/>
           <a:p>
             <a:r>
-              <a:rPr lang="en-US" b="1" dirty="0" smtClean="0"/>
+              <a:rPr lang="en-US" b="1" dirty="0"/>
               <a:t>Backup and Redundancy</a:t>
             </a:r>
-            <a:endParaRPr lang="en-US" b="1" dirty="0"/>
           </a:p>
         </p:txBody>
       </p:sp>
@@ -4121,44 +4045,44 @@
           <a:lstStyle/>
           <a:p>
             <a:r>
-              <a:rPr lang="en-US" dirty="0" smtClean="0"/>
+              <a:rPr lang="en-US" dirty="0"/>
               <a:t>Have multiple MX records so that your server is not the only one able to receive mail for you</a:t>
             </a:r>
           </a:p>
           <a:p>
             <a:r>
-              <a:rPr lang="en-US" dirty="0" smtClean="0"/>
+              <a:rPr lang="en-US" dirty="0"/>
               <a:t>Backup your mail, use tools like </a:t>
             </a:r>
             <a:r>
-              <a:rPr lang="en-US" dirty="0" err="1" smtClean="0"/>
+              <a:rPr lang="en-US" dirty="0" err="1"/>
               <a:t>Rsync</a:t>
             </a:r>
             <a:r>
-              <a:rPr lang="en-US" dirty="0" smtClean="0"/>
+              <a:rPr lang="en-US" dirty="0"/>
               <a:t> to copy mail to another server as often as you can</a:t>
             </a:r>
           </a:p>
           <a:p>
             <a:r>
-              <a:rPr lang="en-US" dirty="0" smtClean="0"/>
+              <a:rPr lang="en-US" dirty="0"/>
               <a:t>Ensure your DNS records (MX, NS etc ) are correct and test them when you complete you setup</a:t>
             </a:r>
           </a:p>
           <a:p>
             <a:r>
-              <a:rPr lang="en-US" dirty="0" smtClean="0"/>
+              <a:rPr lang="en-US" dirty="0"/>
               <a:t>Use online tests like</a:t>
             </a:r>
           </a:p>
           <a:p>
             <a:pPr lvl="1"/>
             <a:r>
-              <a:rPr lang="en-US" dirty="0" smtClean="0"/>
+              <a:rPr lang="en-US" dirty="0"/>
               <a:t>http://</a:t>
             </a:r>
             <a:r>
-              <a:rPr lang="en-US" dirty="0" err="1" smtClean="0"/>
+              <a:rPr lang="en-US" dirty="0" err="1"/>
               <a:t>intodns.net</a:t>
             </a:r>
             <a:endParaRPr lang="en-US" dirty="0"/>
@@ -4175,13 +4099,6 @@
   <p:clrMapOvr>
     <a:masterClrMapping/>
   </p:clrMapOvr>
-  <p:timing>
-    <p:tnLst>
-      <p:par>
-        <p:cTn id="1" dur="indefinite" restart="never" nodeType="tmRoot"/>
-      </p:par>
-    </p:tnLst>
-  </p:timing>
 </p:sld>
 </file>
 
@@ -4218,10 +4135,9 @@
           <a:lstStyle/>
           <a:p>
             <a:r>
-              <a:rPr lang="en-US" b="1" dirty="0" smtClean="0"/>
+              <a:rPr lang="en-US" b="1" dirty="0"/>
               <a:t>The question of Ethics</a:t>
             </a:r>
-            <a:endParaRPr lang="en-US" b="1" dirty="0"/>
           </a:p>
         </p:txBody>
       </p:sp>
@@ -4243,24 +4159,24 @@
           <a:lstStyle/>
           <a:p>
             <a:r>
-              <a:rPr lang="en-US" dirty="0" smtClean="0"/>
+              <a:rPr lang="en-US" dirty="0"/>
               <a:t>As an email administrator, its easy to view other people’s email at any time with admin rights</a:t>
             </a:r>
           </a:p>
           <a:p>
             <a:r>
-              <a:rPr lang="en-US" dirty="0" smtClean="0"/>
+              <a:rPr lang="en-US" dirty="0"/>
               <a:t>Emails are intended by the sender for the recipient(s) and many senders are oblivious to the fact that their email can be intercepted along the way</a:t>
             </a:r>
           </a:p>
           <a:p>
             <a:pPr lvl="1"/>
             <a:r>
-              <a:rPr lang="en-US" dirty="0" smtClean="0"/>
+              <a:rPr lang="en-US" dirty="0"/>
               <a:t>Hence the need for encryption  </a:t>
             </a:r>
             <a:r>
-              <a:rPr lang="en-US" dirty="0" smtClean="0">
+              <a:rPr lang="en-US" dirty="0">
                 <a:sym typeface="Wingdings"/>
               </a:rPr>
               <a:t> </a:t>
@@ -4268,12 +4184,12 @@
           </a:p>
           <a:p>
             <a:r>
-              <a:rPr lang="en-US" dirty="0" smtClean="0">
+              <a:rPr lang="en-US" dirty="0">
                 <a:sym typeface="Wingdings"/>
               </a:rPr>
               <a:t>As an email administrator, you should be be professional and maintain ethics and etiquette  </a:t>
             </a:r>
-            <a:endParaRPr lang="en-US" dirty="0" smtClean="0"/>
+            <a:endParaRPr lang="en-US" dirty="0"/>
           </a:p>
           <a:p>
             <a:endParaRPr lang="en-US" dirty="0"/>
@@ -4326,10 +4242,9 @@
           <a:lstStyle/>
           <a:p>
             <a:r>
-              <a:rPr lang="en-US" b="1" dirty="0" smtClean="0"/>
+              <a:rPr lang="en-US" b="1" dirty="0"/>
               <a:t>References</a:t>
             </a:r>
-            <a:endParaRPr lang="en-US" b="1" dirty="0"/>
           </a:p>
         </p:txBody>
       </p:sp>
@@ -4351,25 +4266,24 @@
           <a:lstStyle/>
           <a:p>
             <a:r>
-              <a:rPr lang="en-US" dirty="0" smtClean="0"/>
+              <a:rPr lang="en-US" dirty="0"/>
               <a:t>Wikipedia</a:t>
             </a:r>
           </a:p>
           <a:p>
             <a:r>
-              <a:rPr lang="en-US" dirty="0" smtClean="0">
+              <a:rPr lang="en-US" dirty="0">
                 <a:hlinkClick r:id="rId2"/>
               </a:rPr>
               <a:t>http://www.linuxmagic.com/best_practices</a:t>
             </a:r>
-            <a:endParaRPr lang="en-US" dirty="0" smtClean="0"/>
-          </a:p>
-          <a:p>
-            <a:r>
-              <a:rPr lang="en-US" dirty="0" smtClean="0"/>
+            <a:endParaRPr lang="en-US" dirty="0"/>
+          </a:p>
+          <a:p>
+            <a:r>
+              <a:rPr lang="en-US" dirty="0"/>
               <a:t> Further reading:</a:t>
             </a:r>
-            <a:endParaRPr lang="en-US" dirty="0"/>
           </a:p>
           <a:p>
             <a:pPr lvl="1"/>
@@ -4381,16 +4295,10 @@
               <a:rPr lang="en-US" dirty="0">
                 <a:hlinkClick r:id="rId3"/>
               </a:rPr>
-              <a:t>https://dmarc.org</a:t>
-            </a:r>
-            <a:r>
-              <a:rPr lang="en-US" dirty="0" smtClean="0">
-                <a:hlinkClick r:id="rId3"/>
-              </a:rPr>
-              <a:t>/</a:t>
-            </a:r>
-            <a:r>
-              <a:rPr lang="en-US" dirty="0" smtClean="0"/>
+              <a:t>https://dmarc.org/</a:t>
+            </a:r>
+            <a:r>
+              <a:rPr lang="en-US" dirty="0"/>
               <a:t> </a:t>
             </a:r>
           </a:p>
@@ -4400,54 +4308,38 @@
               <a:rPr lang="en-US" dirty="0">
                 <a:hlinkClick r:id="rId4"/>
               </a:rPr>
-              <a:t>https://en.wikipedia.org/wiki/</a:t>
-            </a:r>
-            <a:r>
-              <a:rPr lang="en-US" dirty="0" smtClean="0">
-                <a:hlinkClick r:id="rId4"/>
-              </a:rPr>
-              <a:t>DMARC</a:t>
-            </a:r>
-            <a:r>
-              <a:rPr lang="en-US" dirty="0" smtClean="0"/>
+              <a:t>https://en.wikipedia.org/wiki/DMARC</a:t>
+            </a:r>
+            <a:r>
+              <a:rPr lang="en-US" dirty="0"/>
               <a:t> </a:t>
             </a:r>
           </a:p>
           <a:p>
             <a:pPr lvl="1"/>
             <a:r>
-              <a:rPr lang="en-US" dirty="0" err="1" smtClean="0"/>
+              <a:rPr lang="en-US" dirty="0" err="1"/>
               <a:t>SpamAssassin</a:t>
             </a:r>
             <a:r>
-              <a:rPr lang="en-US" dirty="0" smtClean="0"/>
-              <a:t> </a:t>
-            </a:r>
-            <a:r>
-              <a:rPr lang="en-US" dirty="0"/>
-              <a:t>- </a:t>
+              <a:rPr lang="en-US" dirty="0"/>
+              <a:t> - </a:t>
             </a:r>
             <a:r>
               <a:rPr lang="en-US" dirty="0">
                 <a:hlinkClick r:id="rId5"/>
               </a:rPr>
-              <a:t>http://spamassassin.apache.org</a:t>
-            </a:r>
-            <a:r>
-              <a:rPr lang="en-US" dirty="0" smtClean="0">
-                <a:hlinkClick r:id="rId5"/>
-              </a:rPr>
-              <a:t>/</a:t>
-            </a:r>
-            <a:r>
-              <a:rPr lang="en-US" dirty="0" smtClean="0"/>
+              <a:t>http://spamassassin.apache.org/</a:t>
+            </a:r>
+            <a:r>
+              <a:rPr lang="en-US" dirty="0"/>
               <a:t> </a:t>
             </a:r>
           </a:p>
           <a:p>
             <a:pPr lvl="1"/>
             <a:r>
-              <a:rPr lang="en-US" dirty="0" err="1" smtClean="0"/>
+              <a:rPr lang="en-US" dirty="0" err="1"/>
               <a:t>ClamAV</a:t>
             </a:r>
             <a:r>
@@ -4458,52 +4350,30 @@
               <a:rPr lang="en-US" dirty="0">
                 <a:hlinkClick r:id="rId6"/>
               </a:rPr>
-              <a:t>https://www.clamav.net</a:t>
-            </a:r>
-            <a:r>
-              <a:rPr lang="en-US" dirty="0" smtClean="0">
-                <a:hlinkClick r:id="rId6"/>
-              </a:rPr>
-              <a:t>/</a:t>
-            </a:r>
-            <a:r>
-              <a:rPr lang="en-US" dirty="0" smtClean="0"/>
+              <a:t>https://www.clamav.net/</a:t>
+            </a:r>
+            <a:r>
+              <a:rPr lang="en-US" dirty="0"/>
               <a:t> </a:t>
             </a:r>
           </a:p>
           <a:p>
             <a:pPr lvl="1"/>
             <a:r>
-              <a:rPr lang="en-US" dirty="0" err="1" smtClean="0"/>
+              <a:rPr lang="en-US" dirty="0" err="1"/>
               <a:t>AmavisD</a:t>
             </a:r>
             <a:r>
               <a:rPr lang="en-US" dirty="0"/>
-              <a:t> </a:t>
-            </a:r>
-            <a:r>
-              <a:rPr lang="en-US" dirty="0" smtClean="0"/>
-              <a:t>- </a:t>
-            </a:r>
-            <a:r>
-              <a:rPr lang="en-US" dirty="0" smtClean="0">
-                <a:hlinkClick r:id="rId7"/>
-              </a:rPr>
-              <a:t>https</a:t>
+              <a:t> - </a:t>
             </a:r>
             <a:r>
               <a:rPr lang="en-US" dirty="0">
                 <a:hlinkClick r:id="rId7"/>
               </a:rPr>
-              <a:t>://www.ijs.si/software/amavisd</a:t>
-            </a:r>
-            <a:r>
-              <a:rPr lang="en-US" dirty="0" smtClean="0">
-                <a:hlinkClick r:id="rId7"/>
-              </a:rPr>
-              <a:t>/</a:t>
-            </a:r>
-            <a:endParaRPr lang="en-US" dirty="0" smtClean="0"/>
+              <a:t>https://www.ijs.si/software/amavisd/</a:t>
+            </a:r>
+            <a:endParaRPr lang="en-US" dirty="0"/>
           </a:p>
           <a:p>
             <a:pPr lvl="1"/>
@@ -4511,19 +4381,12 @@
               <a:rPr lang="en-US" dirty="0">
                 <a:hlinkClick r:id="rId8"/>
               </a:rPr>
-              <a:t>https://protodave.com/security/checking-your-dkim-dns-record</a:t>
-            </a:r>
-            <a:r>
-              <a:rPr lang="en-US" dirty="0" smtClean="0">
-                <a:hlinkClick r:id="rId8"/>
-              </a:rPr>
-              <a:t>/</a:t>
-            </a:r>
-            <a:r>
-              <a:rPr lang="en-US" dirty="0" smtClean="0"/>
+              <a:t>https://protodave.com/security/checking-your-dkim-dns-record/</a:t>
+            </a:r>
+            <a:r>
+              <a:rPr lang="en-US" dirty="0"/>
               <a:t>  </a:t>
             </a:r>
-            <a:endParaRPr lang="en-US" dirty="0"/>
           </a:p>
         </p:txBody>
       </p:sp>
@@ -4537,13 +4400,6 @@
   <p:clrMapOvr>
     <a:masterClrMapping/>
   </p:clrMapOvr>
-  <p:timing>
-    <p:tnLst>
-      <p:par>
-        <p:cTn id="1" dur="indefinite" restart="never" nodeType="tmRoot"/>
-      </p:par>
-    </p:tnLst>
-  </p:timing>
 </p:sld>
 </file>
 
@@ -4571,41 +4427,78 @@
             <a:spLocks noGrp="1"/>
           </p:cNvSpPr>
           <p:nvPr>
-            <p:ph type="ctrTitle"/>
-          </p:nvPr>
-        </p:nvSpPr>
-        <p:spPr/>
-        <p:txBody>
-          <a:bodyPr/>
-          <a:lstStyle/>
-          <a:p>
-            <a:r>
-              <a:rPr lang="en-US" b="1" dirty="0" smtClean="0"/>
-              <a:t>Email Best Practices</a:t>
-            </a:r>
-            <a:endParaRPr lang="en-US" b="1" dirty="0"/>
-          </a:p>
-        </p:txBody>
-      </p:sp>
-      <p:sp>
-        <p:nvSpPr>
-          <p:cNvPr id="3" name="Subtitle 2"/>
-          <p:cNvSpPr>
-            <a:spLocks noGrp="1"/>
-          </p:cNvSpPr>
-          <p:nvPr>
-            <p:ph type="subTitle" idx="1"/>
-          </p:nvPr>
-        </p:nvSpPr>
-        <p:spPr/>
-        <p:txBody>
-          <a:bodyPr/>
-          <a:lstStyle/>
-          <a:p>
-            <a:r>
-              <a:rPr lang="en-US" dirty="0" smtClean="0"/>
-              <a:t>Kevin Chege</a:t>
-            </a:r>
+            <p:ph type="title"/>
+          </p:nvPr>
+        </p:nvSpPr>
+        <p:spPr/>
+        <p:txBody>
+          <a:bodyPr/>
+          <a:lstStyle/>
+          <a:p>
+            <a:r>
+              <a:rPr lang="en-US" b="1" dirty="0"/>
+              <a:t>Why your email setup is critical</a:t>
+            </a:r>
+          </a:p>
+        </p:txBody>
+      </p:sp>
+      <p:sp>
+        <p:nvSpPr>
+          <p:cNvPr id="3" name="Content Placeholder 2"/>
+          <p:cNvSpPr>
+            <a:spLocks noGrp="1"/>
+          </p:cNvSpPr>
+          <p:nvPr>
+            <p:ph idx="1"/>
+          </p:nvPr>
+        </p:nvSpPr>
+        <p:spPr/>
+        <p:txBody>
+          <a:bodyPr/>
+          <a:lstStyle/>
+          <a:p>
+            <a:r>
+              <a:rPr lang="en-US" dirty="0"/>
+              <a:t>Billions of SPAM emails are generated every day</a:t>
+            </a:r>
+          </a:p>
+          <a:p>
+            <a:r>
+              <a:rPr lang="en-US" dirty="0"/>
+              <a:t>The tips here can help you to reduced the chances of you receiving SPAM email or inadvertently being the source of SPAM emails</a:t>
+            </a:r>
+          </a:p>
+          <a:p>
+            <a:r>
+              <a:rPr lang="en-US" dirty="0"/>
+              <a:t>Because email is so efficient, its now used to send malware, </a:t>
+            </a:r>
+            <a:r>
+              <a:rPr lang="en-US" dirty="0" err="1"/>
+              <a:t>ransomware</a:t>
+            </a:r>
+            <a:r>
+              <a:rPr lang="en-US" dirty="0"/>
+              <a:t>, worms etc.</a:t>
+            </a:r>
+          </a:p>
+          <a:p>
+            <a:pPr lvl="1"/>
+            <a:r>
+              <a:rPr lang="en-US" dirty="0"/>
+              <a:t>For example: </a:t>
+            </a:r>
+            <a:r>
+              <a:rPr lang="en-US" dirty="0" err="1"/>
+              <a:t>WannaCrypt</a:t>
+            </a:r>
+            <a:r>
+              <a:rPr lang="en-US" dirty="0"/>
+              <a:t>!</a:t>
+            </a:r>
+          </a:p>
+          <a:p>
+            <a:pPr lvl="1"/>
             <a:endParaRPr lang="en-US" dirty="0"/>
           </a:p>
         </p:txBody>
@@ -4613,20 +4506,13 @@
     </p:spTree>
     <p:extLst>
       <p:ext uri="{BB962C8B-B14F-4D97-AF65-F5344CB8AC3E}">
-        <p14:creationId xmlns:p14="http://schemas.microsoft.com/office/powerpoint/2010/main" val="1439076210"/>
+        <p14:creationId xmlns:p14="http://schemas.microsoft.com/office/powerpoint/2010/main" val="1359036343"/>
       </p:ext>
     </p:extLst>
   </p:cSld>
   <p:clrMapOvr>
     <a:masterClrMapping/>
   </p:clrMapOvr>
-  <p:timing>
-    <p:tnLst>
-      <p:par>
-        <p:cTn id="1" dur="indefinite" restart="never" nodeType="tmRoot"/>
-      </p:par>
-    </p:tnLst>
-  </p:timing>
 </p:sld>
 </file>
 
@@ -4663,10 +4549,9 @@
           <a:lstStyle/>
           <a:p>
             <a:r>
-              <a:rPr lang="en-US" b="1" dirty="0" smtClean="0"/>
-              <a:t>Why your email setup is critical</a:t>
-            </a:r>
-            <a:endParaRPr lang="en-US" b="1" dirty="0"/>
+              <a:rPr lang="en-US" b="1" dirty="0"/>
+              <a:t>SPF</a:t>
+            </a:r>
           </a:p>
         </p:txBody>
       </p:sp>
@@ -4682,51 +4567,98 @@
         </p:nvSpPr>
         <p:spPr/>
         <p:txBody>
-          <a:bodyPr/>
-          <a:lstStyle/>
-          <a:p>
-            <a:r>
-              <a:rPr lang="en-US" dirty="0" smtClean="0"/>
-              <a:t>Billions of SPAM emails are generated every day</a:t>
-            </a:r>
-          </a:p>
-          <a:p>
-            <a:r>
-              <a:rPr lang="en-US" dirty="0" smtClean="0"/>
-              <a:t>The tips here can help you to reduced the chances of you receiving SPAM email or inadvertently being the source of SPAM emails</a:t>
-            </a:r>
-          </a:p>
-          <a:p>
-            <a:r>
-              <a:rPr lang="en-US" dirty="0" smtClean="0"/>
-              <a:t>Because email is so efficient, its now used to send malware, </a:t>
-            </a:r>
-            <a:r>
-              <a:rPr lang="en-US" dirty="0" err="1" smtClean="0"/>
-              <a:t>ransomware</a:t>
-            </a:r>
-            <a:r>
-              <a:rPr lang="en-US" dirty="0" smtClean="0"/>
-              <a:t>, worms etc.</a:t>
+          <a:bodyPr>
+            <a:normAutofit/>
+          </a:bodyPr>
+          <a:lstStyle/>
+          <a:p>
+            <a:r>
+              <a:rPr lang="en-US" dirty="0"/>
+              <a:t>SPF – Sender Policy Framework</a:t>
             </a:r>
           </a:p>
           <a:p>
             <a:pPr lvl="1"/>
             <a:r>
-              <a:rPr lang="en-US" dirty="0" smtClean="0"/>
-              <a:t>For example: </a:t>
-            </a:r>
-            <a:r>
-              <a:rPr lang="en-US" dirty="0" err="1" smtClean="0"/>
-              <a:t>WannaCrypt</a:t>
-            </a:r>
-            <a:r>
-              <a:rPr lang="en-US" dirty="0" smtClean="0"/>
-              <a:t>!</a:t>
+              <a:rPr lang="en-US" dirty="0"/>
+              <a:t>SPF allows administrators to specify </a:t>
+            </a:r>
+            <a:r>
+              <a:rPr lang="en-US" sz="3200" dirty="0"/>
+              <a:t>which</a:t>
+            </a:r>
+            <a:r>
+              <a:rPr lang="en-US" sz="3200" dirty="0">
+                <a:hlinkClick r:id="rId2"/>
+              </a:rPr>
+              <a:t>hosts are allowed to send mail from a given domain by creating a specific </a:t>
+            </a:r>
+            <a:r>
+              <a:rPr lang="en-US" sz="3200" dirty="0">
+                <a:hlinkClick r:id="rId3"/>
+              </a:rPr>
+              <a:t>SPF record (or TXT record) in the </a:t>
+            </a:r>
+            <a:r>
+              <a:rPr lang="en-US" sz="3200" dirty="0">
+                <a:hlinkClick r:id="rId4"/>
+              </a:rPr>
+              <a:t>Domain Name System (DNS).</a:t>
+            </a:r>
+            <a:endParaRPr lang="en-US" sz="3200" dirty="0"/>
+          </a:p>
+          <a:p>
+            <a:r>
+              <a:rPr lang="en-US" i="1" dirty="0"/>
+              <a:t>@ IN TXT “</a:t>
+            </a:r>
+            <a:r>
+              <a:rPr lang="en-US" i="1" dirty="0" err="1"/>
+              <a:t>v</a:t>
+            </a:r>
+            <a:r>
+              <a:rPr lang="en-US" i="1" dirty="0"/>
+              <a:t>=spf1 </a:t>
+            </a:r>
+            <a:r>
+              <a:rPr lang="en-US" i="1" dirty="0" err="1"/>
+              <a:t>include:gmail.com</a:t>
+            </a:r>
+            <a:r>
+              <a:rPr lang="en-US" i="1" dirty="0"/>
+              <a:t> ip4:1.2.3.4 </a:t>
+            </a:r>
+            <a:r>
+              <a:rPr lang="en-US" i="1" dirty="0" err="1"/>
+              <a:t>mx</a:t>
+            </a:r>
+            <a:r>
+              <a:rPr lang="en-US" i="1" dirty="0"/>
+              <a:t> -all”</a:t>
+            </a:r>
+          </a:p>
+          <a:p>
+            <a:r>
+              <a:rPr lang="en-US" dirty="0"/>
+              <a:t>The above will only allow mail from IP 1.2.3.4 and any server in the domain with an MX record</a:t>
+            </a:r>
+          </a:p>
+          <a:p>
+            <a:r>
+              <a:rPr lang="en-US" dirty="0"/>
+              <a:t>If not sure use a generation tool online</a:t>
             </a:r>
           </a:p>
           <a:p>
             <a:pPr lvl="1"/>
+            <a:r>
+              <a:rPr lang="en-US" dirty="0"/>
+              <a:t>http://</a:t>
+            </a:r>
+            <a:r>
+              <a:rPr lang="en-US" dirty="0" err="1"/>
+              <a:t>www.mtgsy.net/dns/spfwizard.php</a:t>
+            </a:r>
             <a:endParaRPr lang="en-US" dirty="0"/>
           </a:p>
         </p:txBody>
@@ -4734,7 +4666,7 @@
     </p:spTree>
     <p:extLst>
       <p:ext uri="{BB962C8B-B14F-4D97-AF65-F5344CB8AC3E}">
-        <p14:creationId xmlns:p14="http://schemas.microsoft.com/office/powerpoint/2010/main" val="1359036343"/>
+        <p14:creationId xmlns:p14="http://schemas.microsoft.com/office/powerpoint/2010/main" val="687747309"/>
       </p:ext>
     </p:extLst>
   </p:cSld>
@@ -4771,16 +4703,22 @@
             <p:ph type="title"/>
           </p:nvPr>
         </p:nvSpPr>
-        <p:spPr/>
-        <p:txBody>
-          <a:bodyPr/>
-          <a:lstStyle/>
-          <a:p>
-            <a:r>
-              <a:rPr lang="en-US" b="1" dirty="0" smtClean="0"/>
-              <a:t>SPF</a:t>
-            </a:r>
-            <a:endParaRPr lang="en-US" b="1" dirty="0"/>
+        <p:spPr>
+          <a:xfrm>
+            <a:off x="1981200" y="126999"/>
+            <a:ext cx="7995356" cy="945444"/>
+          </a:xfrm>
+        </p:spPr>
+        <p:txBody>
+          <a:bodyPr>
+            <a:normAutofit fontScale="90000"/>
+          </a:bodyPr>
+          <a:lstStyle/>
+          <a:p>
+            <a:r>
+              <a:rPr lang="en-US" b="1" dirty="0"/>
+              <a:t>Domain Keys Identified Mail (DKIM)</a:t>
+            </a:r>
           </a:p>
         </p:txBody>
       </p:sp>
@@ -4794,121 +4732,61 @@
             <p:ph idx="1"/>
           </p:nvPr>
         </p:nvSpPr>
-        <p:spPr/>
+        <p:spPr>
+          <a:xfrm>
+            <a:off x="1721556" y="1072444"/>
+            <a:ext cx="8805333" cy="5446889"/>
+          </a:xfrm>
+        </p:spPr>
         <p:txBody>
           <a:bodyPr>
-            <a:normAutofit/>
+            <a:normAutofit lnSpcReduction="10000"/>
           </a:bodyPr>
           <a:lstStyle/>
           <a:p>
             <a:r>
-              <a:rPr lang="en-US" dirty="0" smtClean="0"/>
-              <a:t>SPF – Sender Policy Framework</a:t>
-            </a:r>
-          </a:p>
-          <a:p>
-            <a:pPr lvl="1"/>
-            <a:r>
-              <a:rPr lang="en-US" dirty="0"/>
-              <a:t>SPF allows administrators to specify </a:t>
-            </a:r>
-            <a:r>
-              <a:rPr lang="en-US" sz="3200" dirty="0"/>
-              <a:t>which</a:t>
-            </a:r>
-            <a:r>
-              <a:rPr lang="en-US" sz="3200" dirty="0">
-                <a:hlinkClick r:id="rId2"/>
-              </a:rPr>
-              <a:t>hosts are allowed to send mail from a given domain by creating a specific </a:t>
-            </a:r>
-            <a:r>
-              <a:rPr lang="en-US" sz="3200" dirty="0">
-                <a:hlinkClick r:id="rId3"/>
-              </a:rPr>
-              <a:t>SPF record (or TXT record) in the </a:t>
-            </a:r>
-            <a:r>
-              <a:rPr lang="en-US" sz="3200" dirty="0">
-                <a:hlinkClick r:id="rId4"/>
-              </a:rPr>
-              <a:t>Domain Name System (DNS).</a:t>
-            </a:r>
-            <a:endParaRPr lang="en-US" sz="3200" dirty="0"/>
-          </a:p>
-          <a:p>
-            <a:r>
-              <a:rPr lang="en-US" i="1" dirty="0"/>
-              <a:t>@ IN TXT “</a:t>
-            </a:r>
-            <a:r>
-              <a:rPr lang="en-US" i="1" dirty="0" err="1"/>
-              <a:t>v</a:t>
-            </a:r>
-            <a:r>
-              <a:rPr lang="en-US" i="1" dirty="0"/>
-              <a:t>=spf1 </a:t>
-            </a:r>
-            <a:r>
-              <a:rPr lang="en-US" i="1" dirty="0" err="1"/>
-              <a:t>include:gmail.com</a:t>
-            </a:r>
-            <a:r>
-              <a:rPr lang="en-US" i="1" dirty="0"/>
-              <a:t> ip4:1.2.3.4 </a:t>
-            </a:r>
-            <a:r>
-              <a:rPr lang="en-US" i="1" dirty="0" err="1"/>
-              <a:t>mx</a:t>
-            </a:r>
-            <a:r>
-              <a:rPr lang="en-US" i="1" dirty="0"/>
-              <a:t> -all”</a:t>
-            </a:r>
-          </a:p>
-          <a:p>
-            <a:r>
-              <a:rPr lang="en-US" dirty="0"/>
-              <a:t>The above will only allow mail from IP 1.2.3.4 and any server in the domain with an MX record</a:t>
-            </a:r>
-          </a:p>
-          <a:p>
-            <a:r>
-              <a:rPr lang="en-US" dirty="0"/>
-              <a:t>If not sure use a generation tool online</a:t>
-            </a:r>
-          </a:p>
-          <a:p>
-            <a:pPr lvl="1"/>
-            <a:r>
-              <a:rPr lang="en-US" dirty="0"/>
-              <a:t>http://</a:t>
+              <a:rPr lang="en-US" dirty="0"/>
+              <a:t>DKIM (</a:t>
             </a:r>
             <a:r>
               <a:rPr lang="en-US" dirty="0" err="1"/>
-              <a:t>www.mtgsy.net/dns/spfwizard.php</a:t>
-            </a:r>
-            <a:endParaRPr lang="en-US" dirty="0"/>
+              <a:t>DomainKeys</a:t>
+            </a:r>
+            <a:r>
+              <a:rPr lang="en-US" dirty="0"/>
+              <a:t> Identified Mail) is an authentication mechanism to help protect both email receivers and email senders from forged and phishing email. </a:t>
+            </a:r>
+          </a:p>
+          <a:p>
+            <a:r>
+              <a:rPr lang="en-US" dirty="0"/>
+              <a:t>It is intended to prevent forged sender addresses in emails, a technique often used in phishing and email spam. </a:t>
+            </a:r>
+          </a:p>
+          <a:p>
+            <a:r>
+              <a:rPr lang="en-US" dirty="0"/>
+              <a:t>DKIM allows the receiver to check that an email claimed to come from a specific domain was indeed authorized by the owner of that domain which is done using cryptographic authentication.</a:t>
+            </a:r>
+          </a:p>
+          <a:p>
+            <a:r>
+              <a:rPr lang="en-US" dirty="0"/>
+              <a:t>Verification is carried out using the signer's public key published in the DNS. A valid signature guarantees that some parts of the email (possibly including attachments) have not been modified since the signature was affixed</a:t>
+            </a:r>
           </a:p>
         </p:txBody>
       </p:sp>
     </p:spTree>
     <p:extLst>
       <p:ext uri="{BB962C8B-B14F-4D97-AF65-F5344CB8AC3E}">
-        <p14:creationId xmlns:p14="http://schemas.microsoft.com/office/powerpoint/2010/main" val="687747309"/>
+        <p14:creationId xmlns:p14="http://schemas.microsoft.com/office/powerpoint/2010/main" val="1212034209"/>
       </p:ext>
     </p:extLst>
   </p:cSld>
   <p:clrMapOvr>
     <a:masterClrMapping/>
   </p:clrMapOvr>
-  <p:timing>
-    <p:tnLst>
-      <p:par>
-        <p:cTn id="1" dur="indefinite" restart="never" nodeType="tmRoot"/>
-      </p:par>
-    </p:tnLst>
-  </p:timing>
 </p:sld>
 </file>
 
@@ -4947,15 +4825,14 @@
         </p:spPr>
         <p:txBody>
           <a:bodyPr>
-            <a:normAutofit fontScale="90000"/>
+            <a:normAutofit/>
           </a:bodyPr>
           <a:lstStyle/>
           <a:p>
             <a:r>
-              <a:rPr lang="en-US" b="1" dirty="0" smtClean="0"/>
-              <a:t>Domain Keys Identified Mail (DKIM)</a:t>
-            </a:r>
-            <a:endParaRPr lang="en-US" b="1" dirty="0"/>
+              <a:rPr lang="en-US" b="1" dirty="0"/>
+              <a:t>DMARC - </a:t>
+            </a:r>
           </a:p>
         </p:txBody>
       </p:sp>
@@ -4977,48 +4854,64 @@
         </p:spPr>
         <p:txBody>
           <a:bodyPr>
-            <a:normAutofit lnSpcReduction="10000"/>
+            <a:normAutofit/>
           </a:bodyPr>
           <a:lstStyle/>
           <a:p>
             <a:r>
               <a:rPr lang="en-US" dirty="0"/>
-              <a:t>DKIM (</a:t>
-            </a:r>
-            <a:r>
-              <a:rPr lang="en-US" dirty="0" err="1"/>
-              <a:t>DomainKeys</a:t>
-            </a:r>
-            <a:r>
-              <a:rPr lang="en-US" dirty="0"/>
-              <a:t> Identified Mail) is an </a:t>
-            </a:r>
-            <a:r>
-              <a:rPr lang="en-US" dirty="0" smtClean="0"/>
-              <a:t>authentication </a:t>
-            </a:r>
-            <a:r>
-              <a:rPr lang="en-US" dirty="0"/>
-              <a:t>mechanism to help protect both email receivers and email senders from forged and phishing email. </a:t>
-            </a:r>
-          </a:p>
-          <a:p>
-            <a:r>
-              <a:rPr lang="en-US" dirty="0"/>
-              <a:t>It is intended to prevent forged sender addresses in emails, a technique often used in phishing and email spam. </a:t>
-            </a:r>
-          </a:p>
-          <a:p>
-            <a:r>
-              <a:rPr lang="en-US" dirty="0" smtClean="0"/>
-              <a:t>DKIM allows the receiver to check that an email claimed to come from a specific domain was indeed authorized by the owner of that domain which is done using cryptographic authentication.</a:t>
-            </a:r>
-          </a:p>
-          <a:p>
-            <a:r>
-              <a:rPr lang="en-US" dirty="0" smtClean="0"/>
-              <a:t>Verification is carried out using the signer's public key published in the DNS. A valid signature guarantees that some parts of the email (possibly including attachments) have not been modified since the signature was affixed</a:t>
-            </a:r>
+              <a:t>which stands for “Domain-based Message Authentication, Reporting &amp; Conformance </a:t>
+            </a:r>
+          </a:p>
+          <a:p>
+            <a:r>
+              <a:rPr lang="en-US" dirty="0"/>
+              <a:t>It builds on the widely deployed </a:t>
+            </a:r>
+            <a:r>
+              <a:rPr lang="en-US" u="sng" dirty="0">
+                <a:hlinkClick r:id="rId2"/>
+              </a:rPr>
+              <a:t>SPF</a:t>
+            </a:r>
+            <a:r>
+              <a:rPr lang="en-US" dirty="0"/>
+              <a:t> and </a:t>
+            </a:r>
+            <a:r>
+              <a:rPr lang="en-US" u="sng" dirty="0">
+                <a:hlinkClick r:id="rId3"/>
+              </a:rPr>
+              <a:t>DKIM</a:t>
+            </a:r>
+            <a:r>
+              <a:rPr lang="en-US" dirty="0"/>
+              <a:t> protocols, adding linkage to the author (“From:”) domain name, published policies for recipient handling of authentication failures </a:t>
+            </a:r>
+          </a:p>
+          <a:p>
+            <a:r>
+              <a:rPr lang="en-US" dirty="0"/>
+              <a:t>Another IETF standard designed to combat growing spam</a:t>
+            </a:r>
+          </a:p>
+          <a:p>
+            <a:r>
+              <a:rPr lang="en-US" dirty="0"/>
+              <a:t>More at </a:t>
+            </a:r>
+            <a:r>
+              <a:rPr lang="en-US" dirty="0">
+                <a:hlinkClick r:id="rId4"/>
+              </a:rPr>
+              <a:t>http://dmarc.org</a:t>
+            </a:r>
+            <a:r>
+              <a:rPr lang="en-US" dirty="0"/>
+              <a:t> </a:t>
+            </a:r>
+          </a:p>
+          <a:p>
             <a:endParaRPr lang="en-US" dirty="0"/>
           </a:p>
         </p:txBody>
@@ -5026,7 +4919,7 @@
     </p:spTree>
     <p:extLst>
       <p:ext uri="{BB962C8B-B14F-4D97-AF65-F5344CB8AC3E}">
-        <p14:creationId xmlns:p14="http://schemas.microsoft.com/office/powerpoint/2010/main" val="1212034209"/>
+        <p14:creationId xmlns:p14="http://schemas.microsoft.com/office/powerpoint/2010/main" val="1776558868"/>
       </p:ext>
     </p:extLst>
   </p:cSld>
@@ -5063,112 +4956,104 @@
             <p:ph type="title"/>
           </p:nvPr>
         </p:nvSpPr>
-        <p:spPr>
-          <a:xfrm>
-            <a:off x="1981200" y="126999"/>
-            <a:ext cx="7995356" cy="945444"/>
-          </a:xfrm>
-        </p:spPr>
+        <p:spPr/>
+        <p:txBody>
+          <a:bodyPr/>
+          <a:lstStyle/>
+          <a:p>
+            <a:r>
+              <a:rPr lang="en-US" b="1" dirty="0"/>
+              <a:t>Why is DMARC important</a:t>
+            </a:r>
+          </a:p>
+        </p:txBody>
+      </p:sp>
+      <p:sp>
+        <p:nvSpPr>
+          <p:cNvPr id="3" name="Content Placeholder 2"/>
+          <p:cNvSpPr>
+            <a:spLocks noGrp="1"/>
+          </p:cNvSpPr>
+          <p:nvPr>
+            <p:ph idx="1"/>
+          </p:nvPr>
+        </p:nvSpPr>
+        <p:spPr/>
         <p:txBody>
           <a:bodyPr>
-            <a:normAutofit/>
+            <a:normAutofit fontScale="92500"/>
           </a:bodyPr>
           <a:lstStyle/>
           <a:p>
             <a:r>
-              <a:rPr lang="en-US" b="1" dirty="0" smtClean="0"/>
-              <a:t>DMARC - </a:t>
-            </a:r>
-            <a:endParaRPr lang="en-US" b="1" dirty="0"/>
-          </a:p>
-        </p:txBody>
-      </p:sp>
-      <p:sp>
-        <p:nvSpPr>
-          <p:cNvPr id="3" name="Content Placeholder 2"/>
-          <p:cNvSpPr>
-            <a:spLocks noGrp="1"/>
-          </p:cNvSpPr>
-          <p:nvPr>
-            <p:ph idx="1"/>
-          </p:nvPr>
-        </p:nvSpPr>
-        <p:spPr>
-          <a:xfrm>
-            <a:off x="1721556" y="1072444"/>
-            <a:ext cx="8805333" cy="5446889"/>
-          </a:xfrm>
-        </p:spPr>
-        <p:txBody>
-          <a:bodyPr>
-            <a:normAutofit/>
-          </a:bodyPr>
-          <a:lstStyle/>
-          <a:p>
-            <a:r>
-              <a:rPr lang="en-US" dirty="0"/>
-              <a:t>which stands for “Domain-based Message Authentication, Reporting &amp; Conformance </a:t>
-            </a:r>
-            <a:endParaRPr lang="en-US" dirty="0" smtClean="0"/>
-          </a:p>
-          <a:p>
-            <a:r>
-              <a:rPr lang="en-US" dirty="0"/>
-              <a:t>It builds on the widely deployed </a:t>
-            </a:r>
-            <a:r>
-              <a:rPr lang="en-US" u="sng" dirty="0">
-                <a:hlinkClick r:id="rId2"/>
-              </a:rPr>
-              <a:t>SPF</a:t>
-            </a:r>
-            <a:r>
-              <a:rPr lang="en-US" dirty="0"/>
-              <a:t> and </a:t>
-            </a:r>
-            <a:r>
-              <a:rPr lang="en-US" u="sng" dirty="0">
-                <a:hlinkClick r:id="rId3"/>
-              </a:rPr>
-              <a:t>DKIM</a:t>
-            </a:r>
-            <a:r>
-              <a:rPr lang="en-US" dirty="0"/>
-              <a:t> protocols, adding linkage to the author (“From:”) domain name, published policies for recipient handling of authentication failures </a:t>
-            </a:r>
-            <a:endParaRPr lang="en-US" dirty="0" smtClean="0"/>
-          </a:p>
-          <a:p>
-            <a:r>
-              <a:rPr lang="en-US" dirty="0" smtClean="0"/>
-              <a:t>Another IETF standard designed to combat growing spam</a:t>
-            </a:r>
-          </a:p>
-          <a:p>
-            <a:r>
-              <a:rPr lang="en-US" dirty="0" smtClean="0"/>
-              <a:t>More at </a:t>
-            </a:r>
-            <a:r>
-              <a:rPr lang="en-US" dirty="0" smtClean="0">
-                <a:hlinkClick r:id="rId4"/>
-              </a:rPr>
-              <a:t>http://dmarc.org</a:t>
-            </a:r>
-            <a:r>
-              <a:rPr lang="en-US" dirty="0" smtClean="0"/>
-              <a:t> </a:t>
-            </a:r>
-          </a:p>
-          <a:p>
-            <a:endParaRPr lang="en-US" dirty="0" smtClean="0"/>
+              <a:rPr lang="en-US" dirty="0"/>
+              <a:t>Allows Domain owners to:</a:t>
+            </a:r>
+          </a:p>
+          <a:p>
+            <a:pPr lvl="1"/>
+            <a:r>
+              <a:rPr lang="en-US" dirty="0"/>
+              <a:t>Signal that they are using email authentication (SPF, DKIM)</a:t>
+            </a:r>
+          </a:p>
+          <a:p>
+            <a:pPr lvl="1"/>
+            <a:r>
+              <a:rPr lang="en-US" dirty="0"/>
+              <a:t>Provide an email address to gather feedback about messages using their domain – legitimate or not</a:t>
+            </a:r>
+          </a:p>
+          <a:p>
+            <a:pPr lvl="1"/>
+            <a:r>
+              <a:rPr lang="en-US" dirty="0"/>
+              <a:t>A policy to apply to messages that fail authentication (report, quarantine, reject)</a:t>
+            </a:r>
+          </a:p>
+          <a:p>
+            <a:r>
+              <a:rPr lang="en-US" dirty="0"/>
+              <a:t>Allow Email receivers to:</a:t>
+            </a:r>
+          </a:p>
+          <a:p>
+            <a:pPr lvl="1"/>
+            <a:r>
+              <a:rPr lang="en-US" dirty="0"/>
+              <a:t>Be certain a given sending domain is using email authentication</a:t>
+            </a:r>
+          </a:p>
+          <a:p>
+            <a:pPr lvl="1"/>
+            <a:r>
+              <a:rPr lang="en-US" dirty="0"/>
+              <a:t>Consistently evaluate SPF and DKIM along with what the end user sees in their inbox</a:t>
+            </a:r>
+          </a:p>
+          <a:p>
+            <a:pPr lvl="1"/>
+            <a:r>
+              <a:rPr lang="en-US" dirty="0"/>
+              <a:t>Determine the domain owner’s preference (report, quarantine or reject) for messages that do not pass authentication checks</a:t>
+            </a:r>
+          </a:p>
+          <a:p>
+            <a:pPr lvl="1"/>
+            <a:r>
+              <a:rPr lang="en-US" dirty="0"/>
+              <a:t>Provide the domain owner with feedback about messages using their domain</a:t>
+            </a:r>
+          </a:p>
+          <a:p>
+            <a:endParaRPr lang="en-US" dirty="0"/>
           </a:p>
         </p:txBody>
       </p:sp>
     </p:spTree>
     <p:extLst>
       <p:ext uri="{BB962C8B-B14F-4D97-AF65-F5344CB8AC3E}">
-        <p14:creationId xmlns:p14="http://schemas.microsoft.com/office/powerpoint/2010/main" val="1776558868"/>
+        <p14:creationId xmlns:p14="http://schemas.microsoft.com/office/powerpoint/2010/main" val="12266588"/>
       </p:ext>
     </p:extLst>
   </p:cSld>
@@ -5211,154 +5096,11 @@
           <a:lstStyle/>
           <a:p>
             <a:r>
-              <a:rPr lang="en-US" b="1" dirty="0" smtClean="0"/>
-              <a:t>Why is DMARC important</a:t>
-            </a:r>
-            <a:endParaRPr lang="en-US" b="1" dirty="0"/>
-          </a:p>
-        </p:txBody>
-      </p:sp>
-      <p:sp>
-        <p:nvSpPr>
-          <p:cNvPr id="3" name="Content Placeholder 2"/>
-          <p:cNvSpPr>
-            <a:spLocks noGrp="1"/>
-          </p:cNvSpPr>
-          <p:nvPr>
-            <p:ph idx="1"/>
-          </p:nvPr>
-        </p:nvSpPr>
-        <p:spPr/>
-        <p:txBody>
-          <a:bodyPr>
-            <a:normAutofit fontScale="92500"/>
-          </a:bodyPr>
-          <a:lstStyle/>
-          <a:p>
-            <a:r>
-              <a:rPr lang="en-US" dirty="0" smtClean="0"/>
-              <a:t>Allows Domain </a:t>
-            </a:r>
-            <a:r>
-              <a:rPr lang="en-US" dirty="0"/>
-              <a:t>owners to:</a:t>
-            </a:r>
-          </a:p>
-          <a:p>
-            <a:pPr lvl="1"/>
-            <a:r>
-              <a:rPr lang="en-US" dirty="0"/>
-              <a:t>Signal that they are using email authentication (SPF, DKIM)</a:t>
-            </a:r>
-          </a:p>
-          <a:p>
-            <a:pPr lvl="1"/>
-            <a:r>
-              <a:rPr lang="en-US" dirty="0"/>
-              <a:t>Provide an email address to gather feedback about messages using their domain – legitimate or not</a:t>
-            </a:r>
-          </a:p>
-          <a:p>
-            <a:pPr lvl="1"/>
-            <a:r>
-              <a:rPr lang="en-US" dirty="0"/>
-              <a:t>A policy to apply to messages that fail authentication (report, quarantine, reject)</a:t>
-            </a:r>
-          </a:p>
-          <a:p>
-            <a:r>
-              <a:rPr lang="en-US" dirty="0" smtClean="0"/>
-              <a:t>Allow Email </a:t>
-            </a:r>
-            <a:r>
-              <a:rPr lang="en-US" dirty="0"/>
-              <a:t>receivers to:</a:t>
-            </a:r>
-          </a:p>
-          <a:p>
-            <a:pPr lvl="1"/>
-            <a:r>
-              <a:rPr lang="en-US" dirty="0"/>
-              <a:t>Be certain a given sending domain is using email authentication</a:t>
-            </a:r>
-          </a:p>
-          <a:p>
-            <a:pPr lvl="1"/>
-            <a:r>
-              <a:rPr lang="en-US" dirty="0"/>
-              <a:t>Consistently evaluate SPF and DKIM along with what the end user sees in their inbox</a:t>
-            </a:r>
-          </a:p>
-          <a:p>
-            <a:pPr lvl="1"/>
-            <a:r>
-              <a:rPr lang="en-US" dirty="0"/>
-              <a:t>Determine the domain owner’s preference (report, quarantine or reject) for messages that do not pass authentication checks</a:t>
-            </a:r>
-          </a:p>
-          <a:p>
-            <a:pPr lvl="1"/>
-            <a:r>
-              <a:rPr lang="en-US" dirty="0"/>
-              <a:t>Provide the domain owner with feedback about messages using their domain</a:t>
-            </a:r>
-          </a:p>
-          <a:p>
-            <a:endParaRPr lang="en-US" dirty="0"/>
-          </a:p>
-        </p:txBody>
-      </p:sp>
-    </p:spTree>
-    <p:extLst>
-      <p:ext uri="{BB962C8B-B14F-4D97-AF65-F5344CB8AC3E}">
-        <p14:creationId xmlns:p14="http://schemas.microsoft.com/office/powerpoint/2010/main" val="12266588"/>
-      </p:ext>
-    </p:extLst>
-  </p:cSld>
-  <p:clrMapOvr>
-    <a:masterClrMapping/>
-  </p:clrMapOvr>
-</p:sld>
-</file>
-
-<file path=ppt/slides/slide8.xml><?xml version="1.0" encoding="utf-8"?>
-<p:sld xmlns:a="http://schemas.openxmlformats.org/drawingml/2006/main" xmlns:r="http://schemas.openxmlformats.org/officeDocument/2006/relationships" xmlns:p="http://schemas.openxmlformats.org/presentationml/2006/main">
-  <p:cSld>
-    <p:spTree>
-      <p:nvGrpSpPr>
-        <p:cNvPr id="1" name=""/>
-        <p:cNvGrpSpPr/>
-        <p:nvPr/>
-      </p:nvGrpSpPr>
-      <p:grpSpPr>
-        <a:xfrm>
-          <a:off x="0" y="0"/>
-          <a:ext cx="0" cy="0"/>
-          <a:chOff x="0" y="0"/>
-          <a:chExt cx="0" cy="0"/>
-        </a:xfrm>
-      </p:grpSpPr>
-      <p:sp>
-        <p:nvSpPr>
-          <p:cNvPr id="2" name="Title 1"/>
-          <p:cNvSpPr>
-            <a:spLocks noGrp="1"/>
-          </p:cNvSpPr>
-          <p:nvPr>
-            <p:ph type="title"/>
-          </p:nvPr>
-        </p:nvSpPr>
-        <p:spPr/>
-        <p:txBody>
-          <a:bodyPr/>
-          <a:lstStyle/>
-          <a:p>
-            <a:r>
-              <a:rPr lang="en-US" b="1" dirty="0" smtClean="0"/>
+              <a:rPr lang="en-US" b="1" dirty="0"/>
               <a:t>DMARC </a:t>
             </a:r>
             <a:r>
-              <a:rPr lang="en-US" b="1" dirty="0" err="1" smtClean="0"/>
+              <a:rPr lang="en-US" b="1" dirty="0" err="1"/>
               <a:t>FlowChart</a:t>
             </a:r>
             <a:endParaRPr lang="en-US" b="1" dirty="0"/>
@@ -5445,6 +5187,257 @@
 </p:sld>
 </file>
 
+<file path=ppt/slides/slide8.xml><?xml version="1.0" encoding="utf-8"?>
+<p:sld xmlns:a="http://schemas.openxmlformats.org/drawingml/2006/main" xmlns:r="http://schemas.openxmlformats.org/officeDocument/2006/relationships" xmlns:p="http://schemas.openxmlformats.org/presentationml/2006/main">
+  <p:cSld>
+    <p:spTree>
+      <p:nvGrpSpPr>
+        <p:cNvPr id="1" name=""/>
+        <p:cNvGrpSpPr/>
+        <p:nvPr/>
+      </p:nvGrpSpPr>
+      <p:grpSpPr>
+        <a:xfrm>
+          <a:off x="0" y="0"/>
+          <a:ext cx="0" cy="0"/>
+          <a:chOff x="0" y="0"/>
+          <a:chExt cx="0" cy="0"/>
+        </a:xfrm>
+      </p:grpSpPr>
+      <p:sp>
+        <p:nvSpPr>
+          <p:cNvPr id="2" name="Title 1"/>
+          <p:cNvSpPr>
+            <a:spLocks noGrp="1"/>
+          </p:cNvSpPr>
+          <p:nvPr>
+            <p:ph type="title"/>
+          </p:nvPr>
+        </p:nvSpPr>
+        <p:spPr/>
+        <p:txBody>
+          <a:bodyPr/>
+          <a:lstStyle/>
+          <a:p>
+            <a:r>
+              <a:rPr lang="en-US" b="1" dirty="0"/>
+              <a:t>SPF, DKIM and DMARC</a:t>
+            </a:r>
+          </a:p>
+        </p:txBody>
+      </p:sp>
+      <p:sp>
+        <p:nvSpPr>
+          <p:cNvPr id="3" name="Content Placeholder 2"/>
+          <p:cNvSpPr>
+            <a:spLocks noGrp="1"/>
+          </p:cNvSpPr>
+          <p:nvPr>
+            <p:ph idx="1"/>
+          </p:nvPr>
+        </p:nvSpPr>
+        <p:spPr/>
+        <p:txBody>
+          <a:bodyPr>
+            <a:normAutofit/>
+          </a:bodyPr>
+          <a:lstStyle/>
+          <a:p>
+            <a:r>
+              <a:rPr lang="en-US" dirty="0"/>
+              <a:t>All published in DNS!</a:t>
+            </a:r>
+          </a:p>
+          <a:p>
+            <a:r>
+              <a:rPr lang="en-US" dirty="0"/>
+              <a:t>SPF sample: </a:t>
+            </a:r>
+            <a:r>
+              <a:rPr lang="en-US" sz="2000" dirty="0">
+                <a:solidFill>
+                  <a:srgbClr val="FF0000"/>
+                </a:solidFill>
+              </a:rPr>
+              <a:t>$dig TXT </a:t>
+            </a:r>
+            <a:r>
+              <a:rPr lang="en-US" sz="2000" dirty="0" err="1">
+                <a:solidFill>
+                  <a:srgbClr val="FF0000"/>
+                </a:solidFill>
+              </a:rPr>
+              <a:t>facebook.com</a:t>
+            </a:r>
+            <a:br>
+              <a:rPr lang="en-US" dirty="0">
+                <a:solidFill>
+                  <a:srgbClr val="FF0000"/>
+                </a:solidFill>
+              </a:rPr>
+            </a:br>
+            <a:r>
+              <a:rPr lang="en-US" sz="1800" dirty="0"/>
+              <a:t>“</a:t>
+            </a:r>
+            <a:r>
+              <a:rPr lang="en-US" sz="1800" i="1" dirty="0"/>
+              <a:t>v=spf1 redirect=_</a:t>
+            </a:r>
+            <a:r>
+              <a:rPr lang="en-US" sz="1800" i="1" dirty="0" err="1"/>
+              <a:t>spf.facebook.com</a:t>
+            </a:r>
+            <a:r>
+              <a:rPr lang="en-US" sz="1800" i="1" dirty="0"/>
+              <a:t>”</a:t>
+            </a:r>
+          </a:p>
+          <a:p>
+            <a:r>
+              <a:rPr lang="en-US" dirty="0"/>
+              <a:t>DKIM sample: </a:t>
+            </a:r>
+            <a:r>
+              <a:rPr lang="en-US" sz="1800" i="1" dirty="0">
+                <a:solidFill>
+                  <a:srgbClr val="FF0000"/>
+                </a:solidFill>
+              </a:rPr>
+              <a:t>$</a:t>
+            </a:r>
+            <a:r>
+              <a:rPr lang="en-US" sz="2100" dirty="0">
+                <a:solidFill>
+                  <a:srgbClr val="FF0000"/>
+                </a:solidFill>
+              </a:rPr>
+              <a:t>dig google._</a:t>
+            </a:r>
+            <a:r>
+              <a:rPr lang="en-US" sz="2100" dirty="0" err="1">
+                <a:solidFill>
+                  <a:srgbClr val="FF0000"/>
+                </a:solidFill>
+              </a:rPr>
+              <a:t>domainkey.protodave.com</a:t>
+            </a:r>
+            <a:r>
+              <a:rPr lang="en-US" sz="2100" dirty="0">
+                <a:solidFill>
+                  <a:srgbClr val="FF0000"/>
+                </a:solidFill>
+              </a:rPr>
+              <a:t> TXT</a:t>
+            </a:r>
+            <a:br>
+              <a:rPr lang="en-US" sz="2100" dirty="0">
+                <a:solidFill>
+                  <a:srgbClr val="FF0000"/>
+                </a:solidFill>
+              </a:rPr>
+            </a:br>
+            <a:r>
+              <a:rPr lang="en-US" sz="1800" i="1" dirty="0"/>
+              <a:t>google._</a:t>
+            </a:r>
+            <a:r>
+              <a:rPr lang="en-US" sz="1800" i="1" dirty="0" err="1"/>
+              <a:t>domainkey.protodave.com</a:t>
+            </a:r>
+            <a:r>
+              <a:rPr lang="en-US" sz="1800" i="1" dirty="0"/>
+              <a:t>. 3600 IN TXT	"v=DKIM1\; k=</a:t>
+            </a:r>
+            <a:r>
+              <a:rPr lang="en-US" sz="1800" i="1" dirty="0" err="1"/>
+              <a:t>rsa</a:t>
+            </a:r>
+            <a:r>
+              <a:rPr lang="en-US" sz="1800" i="1" dirty="0"/>
+              <a:t>\; p=MIIBIjANBgkqhkiG9w0BAQEFAAOCAQ8AMIIBCgKCAQEAhArxYH88+A76Gk7/8ENefN5RhMFhoYJp8T3KLPYYpejDI45PKWTO+2r8ZJZOtuk7tsG07bmJyU8PFvU48Lf1xtb4WcFxKKjd7N5MF6JcHD51Xb8XDAJA2ldqxH4hBbw9dRjsT7WBFXbp2x6MSWxgi9f1w+7Z2IFG+AtUjrf8/9N3gLieaZKZT1SEhR8TnhfOm" "FG0LfMyS0YtfHKrkUkBCEmWBPisB2CcZBShKr6/T8/UB/oZF8XMRd0NOsru9MGx9Yp89jIYS5YRuvbA0/TLgOOiqrSU5Ms1egMwfFyy4BMDUKayZzF6BxNPc/+</a:t>
+            </a:r>
+            <a:r>
+              <a:rPr lang="en-US" sz="1800" i="1" dirty="0" err="1"/>
+              <a:t>UoFrYHKRZpyD</a:t>
+            </a:r>
+            <a:r>
+              <a:rPr lang="en-US" sz="1800" i="1" dirty="0"/>
+              <a:t>/kEd4FXNEddlksQIDAQAB</a:t>
+            </a:r>
+            <a:r>
+              <a:rPr lang="en-US" sz="1600" dirty="0"/>
+              <a:t>”</a:t>
+            </a:r>
+          </a:p>
+          <a:p>
+            <a:r>
+              <a:rPr lang="en-US" dirty="0"/>
+              <a:t>DMARC sample: </a:t>
+            </a:r>
+            <a:r>
+              <a:rPr lang="en-US" sz="2000" dirty="0">
+                <a:solidFill>
+                  <a:srgbClr val="FF0000"/>
+                </a:solidFill>
+              </a:rPr>
+              <a:t>dig TXT _</a:t>
+            </a:r>
+            <a:r>
+              <a:rPr lang="en-US" sz="2000" dirty="0" err="1">
+                <a:solidFill>
+                  <a:srgbClr val="FF0000"/>
+                </a:solidFill>
+              </a:rPr>
+              <a:t>dmarc.google.com</a:t>
+            </a:r>
+            <a:br>
+              <a:rPr lang="en-US" dirty="0">
+                <a:solidFill>
+                  <a:srgbClr val="FF0000"/>
+                </a:solidFill>
+              </a:rPr>
+            </a:br>
+            <a:r>
+              <a:rPr lang="en-US" sz="2200" i="1" dirty="0"/>
+              <a:t>"v=DMARC1;p=</a:t>
+            </a:r>
+            <a:r>
+              <a:rPr lang="en-US" sz="2200" i="1" dirty="0" err="1"/>
+              <a:t>reject;pct</a:t>
+            </a:r>
+            <a:r>
+              <a:rPr lang="en-US" sz="2200" i="1" dirty="0"/>
+              <a:t>=100;rua=</a:t>
+            </a:r>
+            <a:r>
+              <a:rPr lang="en-US" sz="2200" i="1" dirty="0" err="1"/>
+              <a:t>mailto:postmaster@dmarcdomain.com</a:t>
+            </a:r>
+            <a:r>
+              <a:rPr lang="en-US" sz="2200" i="1" dirty="0"/>
+              <a:t>”</a:t>
+            </a:r>
+            <a:br>
+              <a:rPr lang="en-US" sz="2200" i="1" dirty="0"/>
+            </a:br>
+            <a:endParaRPr lang="en-US" sz="2200" i="1" dirty="0"/>
+          </a:p>
+        </p:txBody>
+      </p:sp>
+    </p:spTree>
+    <p:extLst>
+      <p:ext uri="{BB962C8B-B14F-4D97-AF65-F5344CB8AC3E}">
+        <p14:creationId xmlns:p14="http://schemas.microsoft.com/office/powerpoint/2010/main" val="1833056619"/>
+      </p:ext>
+    </p:extLst>
+  </p:cSld>
+  <p:clrMapOvr>
+    <a:masterClrMapping/>
+  </p:clrMapOvr>
+</p:sld>
+</file>
+
 <file path=ppt/slides/slide9.xml><?xml version="1.0" encoding="utf-8"?>
 <p:sld xmlns:a="http://schemas.openxmlformats.org/drawingml/2006/main" xmlns:r="http://schemas.openxmlformats.org/officeDocument/2006/relationships" xmlns:p="http://schemas.openxmlformats.org/presentationml/2006/main">
   <p:cSld>
@@ -5464,7 +5457,13 @@
       </p:grpSpPr>
       <p:sp>
         <p:nvSpPr>
-          <p:cNvPr id="2" name="Title 1"/>
+          <p:cNvPr id="2" name="Title 1">
+            <a:extLst>
+              <a:ext uri="{FF2B5EF4-FFF2-40B4-BE49-F238E27FC236}">
+                <a16:creationId xmlns:a16="http://schemas.microsoft.com/office/drawing/2014/main" id="{6BD1BB43-1CF8-E140-A565-DA2D72EE8D9F}"/>
+              </a:ext>
+            </a:extLst>
+          </p:cNvPr>
           <p:cNvSpPr>
             <a:spLocks noGrp="1"/>
           </p:cNvSpPr>
@@ -5478,16 +5477,21 @@
           <a:lstStyle/>
           <a:p>
             <a:r>
-              <a:rPr lang="en-US" b="1" dirty="0" smtClean="0"/>
-              <a:t>SPF, DKIM and DMARC</a:t>
-            </a:r>
-            <a:endParaRPr lang="en-US" b="1" dirty="0"/>
-          </a:p>
-        </p:txBody>
-      </p:sp>
-      <p:sp>
-        <p:nvSpPr>
-          <p:cNvPr id="3" name="Content Placeholder 2"/>
+              <a:rPr lang="en-US" b="1" dirty="0"/>
+              <a:t>DANE – Encrypting email transfer from sender to recipient</a:t>
+            </a:r>
+          </a:p>
+        </p:txBody>
+      </p:sp>
+      <p:sp>
+        <p:nvSpPr>
+          <p:cNvPr id="3" name="Content Placeholder 2">
+            <a:extLst>
+              <a:ext uri="{FF2B5EF4-FFF2-40B4-BE49-F238E27FC236}">
+                <a16:creationId xmlns:a16="http://schemas.microsoft.com/office/drawing/2014/main" id="{717742A2-4066-1643-86B0-70FC30A812B6}"/>
+              </a:ext>
+            </a:extLst>
+          </p:cNvPr>
           <p:cNvSpPr>
             <a:spLocks noGrp="1"/>
           </p:cNvSpPr>
@@ -5497,226 +5501,27 @@
         </p:nvSpPr>
         <p:spPr/>
         <p:txBody>
-          <a:bodyPr>
-            <a:normAutofit/>
-          </a:bodyPr>
-          <a:lstStyle/>
-          <a:p>
-            <a:r>
-              <a:rPr lang="en-US" dirty="0" smtClean="0"/>
-              <a:t>All published in DNS!</a:t>
-            </a:r>
-          </a:p>
-          <a:p>
-            <a:r>
-              <a:rPr lang="en-US" dirty="0" smtClean="0"/>
-              <a:t>SPF sample: </a:t>
-            </a:r>
-            <a:r>
-              <a:rPr lang="en-US" sz="2000" dirty="0">
-                <a:solidFill>
-                  <a:srgbClr val="FF0000"/>
-                </a:solidFill>
-              </a:rPr>
-              <a:t>$dig TXT </a:t>
-            </a:r>
-            <a:r>
-              <a:rPr lang="en-US" sz="2000" dirty="0" err="1">
-                <a:solidFill>
-                  <a:srgbClr val="FF0000"/>
-                </a:solidFill>
-              </a:rPr>
-              <a:t>facebook.com</a:t>
-            </a:r>
-            <a:r>
-              <a:rPr lang="en-US" dirty="0" smtClean="0">
-                <a:solidFill>
-                  <a:srgbClr val="FF0000"/>
-                </a:solidFill>
-              </a:rPr>
-              <a:t/>
-            </a:r>
-            <a:br>
-              <a:rPr lang="en-US" dirty="0" smtClean="0">
-                <a:solidFill>
-                  <a:srgbClr val="FF0000"/>
-                </a:solidFill>
-              </a:rPr>
-            </a:br>
-            <a:r>
-              <a:rPr lang="en-US" sz="1800" dirty="0"/>
-              <a:t>“</a:t>
-            </a:r>
-            <a:r>
-              <a:rPr lang="en-US" sz="1800" i="1" dirty="0"/>
-              <a:t>v=spf1 </a:t>
-            </a:r>
-            <a:r>
-              <a:rPr lang="en-US" sz="1800" i="1" dirty="0"/>
-              <a:t>redirect=_</a:t>
-            </a:r>
-            <a:r>
-              <a:rPr lang="en-US" sz="1800" i="1" dirty="0" err="1"/>
-              <a:t>spf.facebook.com</a:t>
-            </a:r>
-            <a:r>
-              <a:rPr lang="en-US" sz="1800" i="1" dirty="0"/>
-              <a:t>”</a:t>
-            </a:r>
-            <a:endParaRPr lang="en-US" sz="1800" i="1" dirty="0"/>
-          </a:p>
-          <a:p>
-            <a:r>
-              <a:rPr lang="en-US" dirty="0"/>
-              <a:t>DKIM sample: </a:t>
-            </a:r>
-            <a:r>
-              <a:rPr lang="en-US" sz="1800" i="1" dirty="0">
-                <a:solidFill>
-                  <a:srgbClr val="FF0000"/>
-                </a:solidFill>
-              </a:rPr>
-              <a:t>$</a:t>
-            </a:r>
-            <a:r>
-              <a:rPr lang="en-US" sz="2100" dirty="0">
-                <a:solidFill>
-                  <a:srgbClr val="FF0000"/>
-                </a:solidFill>
-              </a:rPr>
-              <a:t>dig google._</a:t>
-            </a:r>
-            <a:r>
-              <a:rPr lang="en-US" sz="2100" dirty="0" err="1">
-                <a:solidFill>
-                  <a:srgbClr val="FF0000"/>
-                </a:solidFill>
-              </a:rPr>
-              <a:t>domainkey.protodave.com</a:t>
-            </a:r>
-            <a:r>
-              <a:rPr lang="en-US" sz="2100" dirty="0">
-                <a:solidFill>
-                  <a:srgbClr val="FF0000"/>
-                </a:solidFill>
-              </a:rPr>
-              <a:t> TXT</a:t>
-            </a:r>
-            <a:br>
-              <a:rPr lang="en-US" sz="2100" dirty="0">
-                <a:solidFill>
-                  <a:srgbClr val="FF0000"/>
-                </a:solidFill>
-              </a:rPr>
-            </a:br>
-            <a:r>
-              <a:rPr lang="en-US" sz="1800" i="1" dirty="0"/>
-              <a:t>google._</a:t>
-            </a:r>
-            <a:r>
-              <a:rPr lang="en-US" sz="1800" i="1" dirty="0" err="1"/>
-              <a:t>domainkey.protodave.com</a:t>
-            </a:r>
-            <a:r>
-              <a:rPr lang="en-US" sz="1800" i="1" dirty="0"/>
-              <a:t>. 3600 IN TXT	"v=DKIM1\; k=</a:t>
-            </a:r>
-            <a:r>
-              <a:rPr lang="en-US" sz="1800" i="1" dirty="0" err="1"/>
-              <a:t>rsa</a:t>
-            </a:r>
-            <a:r>
-              <a:rPr lang="en-US" sz="1800" i="1" dirty="0"/>
-              <a:t>\; p=MIIBIjANBgkqhkiG9w0BAQEFAAOCAQ8AMIIBCgKCAQEAhArxYH88+A76Gk7/8ENefN5RhMFhoYJp8T3KLPYYpejDI45PKWTO+2r8ZJZOtuk7tsG07bmJyU8PFvU48Lf1xtb4WcFxKKjd7N5MF6JcHD51Xb8XDAJA2ldqxH4hBbw9dRjsT7WBFXbp2x6MSWxgi9f1w+7Z2IFG+AtUjrf8/9N3gLieaZKZT1SEhR8TnhfOm" "FG0LfMyS0YtfHKrkUkBCEmWBPisB2CcZBShKr6/T8/UB/oZF8XMRd0NOsru9MGx9Yp89jIYS5YRuvbA0/TLgOOiqrSU5Ms1egMwfFyy4BMDUKayZzF6BxNPc/+</a:t>
-            </a:r>
-            <a:r>
-              <a:rPr lang="en-US" sz="1800" i="1" dirty="0" err="1"/>
-              <a:t>UoFrYHKRZpyD</a:t>
-            </a:r>
-            <a:r>
-              <a:rPr lang="en-US" sz="1800" i="1" dirty="0"/>
-              <a:t>/kEd4FXNEddlksQIDAQAB</a:t>
-            </a:r>
-            <a:r>
-              <a:rPr lang="en-US" sz="1600" dirty="0"/>
-              <a:t>”</a:t>
-            </a:r>
-          </a:p>
-          <a:p>
-            <a:r>
-              <a:rPr lang="en-US" dirty="0" smtClean="0"/>
-              <a:t>DMARC sample: </a:t>
-            </a:r>
-            <a:r>
-              <a:rPr lang="en-US" sz="2000" dirty="0">
-                <a:solidFill>
-                  <a:srgbClr val="FF0000"/>
-                </a:solidFill>
-              </a:rPr>
-              <a:t>dig TXT _</a:t>
-            </a:r>
-            <a:r>
-              <a:rPr lang="en-US" sz="2000" dirty="0" err="1">
-                <a:solidFill>
-                  <a:srgbClr val="FF0000"/>
-                </a:solidFill>
-              </a:rPr>
-              <a:t>dmarc.google.com</a:t>
-            </a:r>
-            <a:r>
-              <a:rPr lang="en-US" dirty="0" smtClean="0">
-                <a:solidFill>
-                  <a:srgbClr val="FF0000"/>
-                </a:solidFill>
-              </a:rPr>
-              <a:t/>
-            </a:r>
-            <a:br>
-              <a:rPr lang="en-US" dirty="0" smtClean="0">
-                <a:solidFill>
-                  <a:srgbClr val="FF0000"/>
-                </a:solidFill>
-              </a:rPr>
-            </a:br>
-            <a:r>
-              <a:rPr lang="en-US" sz="2200" i="1" dirty="0"/>
-              <a:t>"</a:t>
-            </a:r>
-            <a:r>
-              <a:rPr lang="en-US" sz="2200" i="1" dirty="0"/>
-              <a:t>v=DMARC1;p=</a:t>
-            </a:r>
-            <a:r>
-              <a:rPr lang="en-US" sz="2200" i="1" dirty="0" err="1"/>
-              <a:t>reject;pct</a:t>
-            </a:r>
-            <a:r>
-              <a:rPr lang="en-US" sz="2200" i="1" dirty="0"/>
-              <a:t>=100;rua=</a:t>
-            </a:r>
-            <a:r>
-              <a:rPr lang="en-US" sz="2200" i="1" dirty="0" err="1"/>
-              <a:t>mailto:postmaster@dmarcdomain.com</a:t>
-            </a:r>
-            <a:r>
-              <a:rPr lang="en-US" sz="2200" i="1" dirty="0"/>
-              <a:t>”</a:t>
-            </a:r>
-            <a:r>
-              <a:rPr lang="en-US" sz="2200" i="1" dirty="0"/>
-              <a:t/>
-            </a:r>
-            <a:br>
-              <a:rPr lang="en-US" sz="2200" i="1" dirty="0"/>
-            </a:br>
-            <a:endParaRPr lang="en-US" sz="2200" i="1" dirty="0"/>
+          <a:bodyPr/>
+          <a:lstStyle/>
+          <a:p>
+            <a:r>
+              <a:rPr lang="en-US" dirty="0"/>
+              <a:t>DNS-based Authentication of </a:t>
+            </a:r>
+            <a:r>
+              <a:rPr lang="en-US"/>
+              <a:t>Named Entities</a:t>
+            </a:r>
+          </a:p>
+          <a:p>
+            <a:endParaRPr lang="en-US"/>
           </a:p>
         </p:txBody>
       </p:sp>
     </p:spTree>
     <p:extLst>
       <p:ext uri="{BB962C8B-B14F-4D97-AF65-F5344CB8AC3E}">
-        <p14:creationId xmlns:p14="http://schemas.microsoft.com/office/powerpoint/2010/main" val="1833056619"/>
+        <p14:creationId xmlns:p14="http://schemas.microsoft.com/office/powerpoint/2010/main" val="1318849933"/>
       </p:ext>
     </p:extLst>
   </p:cSld>

--- a/postfix/emailbestpractices.pptx
+++ b/postfix/emailbestpractices.pptx
@@ -259,7 +259,7 @@
           <a:p>
             <a:fld id="{0FCFF65A-1B82-EC42-8471-385BCA80589D}" type="datetimeFigureOut">
               <a:rPr lang="en-US" smtClean="0"/>
-              <a:t>4/30/18</a:t>
+              <a:t>5/2/18</a:t>
             </a:fld>
             <a:endParaRPr lang="en-US"/>
           </a:p>
@@ -427,7 +427,7 @@
           <a:p>
             <a:fld id="{0FCFF65A-1B82-EC42-8471-385BCA80589D}" type="datetimeFigureOut">
               <a:rPr lang="en-US" smtClean="0"/>
-              <a:t>4/30/18</a:t>
+              <a:t>5/2/18</a:t>
             </a:fld>
             <a:endParaRPr lang="en-US"/>
           </a:p>
@@ -605,7 +605,7 @@
           <a:p>
             <a:fld id="{0FCFF65A-1B82-EC42-8471-385BCA80589D}" type="datetimeFigureOut">
               <a:rPr lang="en-US" smtClean="0"/>
-              <a:t>4/30/18</a:t>
+              <a:t>5/2/18</a:t>
             </a:fld>
             <a:endParaRPr lang="en-US"/>
           </a:p>
@@ -773,7 +773,7 @@
           <a:p>
             <a:fld id="{0FCFF65A-1B82-EC42-8471-385BCA80589D}" type="datetimeFigureOut">
               <a:rPr lang="en-US" smtClean="0"/>
-              <a:t>4/30/18</a:t>
+              <a:t>5/2/18</a:t>
             </a:fld>
             <a:endParaRPr lang="en-US"/>
           </a:p>
@@ -1018,7 +1018,7 @@
           <a:p>
             <a:fld id="{0FCFF65A-1B82-EC42-8471-385BCA80589D}" type="datetimeFigureOut">
               <a:rPr lang="en-US" smtClean="0"/>
-              <a:t>4/30/18</a:t>
+              <a:t>5/2/18</a:t>
             </a:fld>
             <a:endParaRPr lang="en-US"/>
           </a:p>
@@ -1247,7 +1247,7 @@
           <a:p>
             <a:fld id="{0FCFF65A-1B82-EC42-8471-385BCA80589D}" type="datetimeFigureOut">
               <a:rPr lang="en-US" smtClean="0"/>
-              <a:t>4/30/18</a:t>
+              <a:t>5/2/18</a:t>
             </a:fld>
             <a:endParaRPr lang="en-US"/>
           </a:p>
@@ -1611,7 +1611,7 @@
           <a:p>
             <a:fld id="{0FCFF65A-1B82-EC42-8471-385BCA80589D}" type="datetimeFigureOut">
               <a:rPr lang="en-US" smtClean="0"/>
-              <a:t>4/30/18</a:t>
+              <a:t>5/2/18</a:t>
             </a:fld>
             <a:endParaRPr lang="en-US"/>
           </a:p>
@@ -1728,7 +1728,7 @@
           <a:p>
             <a:fld id="{0FCFF65A-1B82-EC42-8471-385BCA80589D}" type="datetimeFigureOut">
               <a:rPr lang="en-US" smtClean="0"/>
-              <a:t>4/30/18</a:t>
+              <a:t>5/2/18</a:t>
             </a:fld>
             <a:endParaRPr lang="en-US"/>
           </a:p>
@@ -1823,7 +1823,7 @@
           <a:p>
             <a:fld id="{0FCFF65A-1B82-EC42-8471-385BCA80589D}" type="datetimeFigureOut">
               <a:rPr lang="en-US" smtClean="0"/>
-              <a:t>4/30/18</a:t>
+              <a:t>5/2/18</a:t>
             </a:fld>
             <a:endParaRPr lang="en-US"/>
           </a:p>
@@ -2098,7 +2098,7 @@
           <a:p>
             <a:fld id="{0FCFF65A-1B82-EC42-8471-385BCA80589D}" type="datetimeFigureOut">
               <a:rPr lang="en-US" smtClean="0"/>
-              <a:t>4/30/18</a:t>
+              <a:t>5/2/18</a:t>
             </a:fld>
             <a:endParaRPr lang="en-US"/>
           </a:p>
@@ -2350,7 +2350,7 @@
           <a:p>
             <a:fld id="{0FCFF65A-1B82-EC42-8471-385BCA80589D}" type="datetimeFigureOut">
               <a:rPr lang="en-US" smtClean="0"/>
-              <a:t>4/30/18</a:t>
+              <a:t>5/2/18</a:t>
             </a:fld>
             <a:endParaRPr lang="en-US"/>
           </a:p>
@@ -2561,7 +2561,7 @@
           <a:p>
             <a:fld id="{0FCFF65A-1B82-EC42-8471-385BCA80589D}" type="datetimeFigureOut">
               <a:rPr lang="en-US" smtClean="0"/>
-              <a:t>4/30/18</a:t>
+              <a:t>5/2/18</a:t>
             </a:fld>
             <a:endParaRPr lang="en-US"/>
           </a:p>
@@ -4261,7 +4261,7 @@
         <p:spPr/>
         <p:txBody>
           <a:bodyPr>
-            <a:normAutofit/>
+            <a:normAutofit lnSpcReduction="10000"/>
           </a:bodyPr>
           <a:lstStyle/>
           <a:p>
@@ -4383,10 +4383,25 @@
               </a:rPr>
               <a:t>https://protodave.com/security/checking-your-dkim-dns-record/</a:t>
             </a:r>
-            <a:r>
-              <a:rPr lang="en-US" dirty="0"/>
-              <a:t>  </a:t>
-            </a:r>
+            <a:endParaRPr lang="en-US" dirty="0"/>
+          </a:p>
+          <a:p>
+            <a:pPr lvl="1"/>
+            <a:r>
+              <a:rPr lang="en-US" dirty="0"/>
+              <a:t>DANE: </a:t>
+            </a:r>
+            <a:r>
+              <a:rPr lang="en-US" dirty="0">
+                <a:hlinkClick r:id="rId9"/>
+              </a:rPr>
+              <a:t>https://en.wikipedia.org/wiki/DNS-based_Authentication_of_Named_Entities</a:t>
+            </a:r>
+            <a:r>
+              <a:rPr lang="en-US"/>
+              <a:t>   </a:t>
+            </a:r>
+            <a:endParaRPr lang="en-US" dirty="0"/>
           </a:p>
         </p:txBody>
       </p:sp>
@@ -5501,20 +5516,53 @@
         </p:nvSpPr>
         <p:spPr/>
         <p:txBody>
-          <a:bodyPr/>
-          <a:lstStyle/>
-          <a:p>
-            <a:r>
-              <a:rPr lang="en-US" dirty="0"/>
-              <a:t>DNS-based Authentication of </a:t>
-            </a:r>
-            <a:r>
-              <a:rPr lang="en-US"/>
-              <a:t>Named Entities</a:t>
-            </a:r>
-          </a:p>
-          <a:p>
-            <a:endParaRPr lang="en-US"/>
+          <a:bodyPr>
+            <a:normAutofit fontScale="92500" lnSpcReduction="10000"/>
+          </a:bodyPr>
+          <a:lstStyle/>
+          <a:p>
+            <a:r>
+              <a:rPr lang="en-US" dirty="0"/>
+              <a:t>DNS-based Authentication of Named Entities</a:t>
+            </a:r>
+          </a:p>
+          <a:p>
+            <a:r>
+              <a:rPr lang="en-US" dirty="0"/>
+              <a:t>Described in RFC 6698 and proposed as  way to authenticated TLS certificates to be bound to DNS using DNSSEC</a:t>
+            </a:r>
+          </a:p>
+          <a:p>
+            <a:r>
+              <a:rPr lang="en-US" dirty="0"/>
+              <a:t>Having a DANE Record indicates that a sender of an email must use encryption (TLS) to transmit the email from the sending server to the recipient email</a:t>
+            </a:r>
+          </a:p>
+          <a:p>
+            <a:r>
+              <a:rPr lang="en-US" dirty="0"/>
+              <a:t>Using DANE therefore will ensure that the email sent to you was transmitted over TLS (encrypted) and so that much more difficult for a snoop to read your email</a:t>
+            </a:r>
+          </a:p>
+          <a:p>
+            <a:r>
+              <a:rPr lang="en-US" dirty="0"/>
+              <a:t>Without DANE, email uses opportunistic encryption to secure SMTP – </a:t>
+            </a:r>
+            <a:r>
+              <a:rPr lang="en-US" dirty="0" err="1"/>
+              <a:t>ie</a:t>
+            </a:r>
+            <a:r>
+              <a:rPr lang="en-US" dirty="0"/>
+              <a:t> it will be used if available</a:t>
+            </a:r>
+          </a:p>
+          <a:p>
+            <a:endParaRPr lang="en-US" dirty="0"/>
+          </a:p>
+          <a:p>
+            <a:endParaRPr lang="en-US" dirty="0"/>
           </a:p>
         </p:txBody>
       </p:sp>
